--- a/2023-10-07 Devnot Kubernetes Integrated Development/KubernetesIntegratedDevelopment2023.pptx
+++ b/2023-10-07 Devnot Kubernetes Integrated Development/KubernetesIntegratedDevelopment2023.pptx
@@ -280,7 +280,7 @@
           <a:p>
             <a:fld id="{62164A38-496E-4635-AD4D-E4F60A7AA5BC}" type="datetimeFigureOut">
               <a:rPr lang="tr-TR" smtClean="0"/>
-              <a:t>17.09.2023</a:t>
+              <a:t>26.09.2023</a:t>
             </a:fld>
             <a:endParaRPr lang="tr-TR"/>
           </a:p>
@@ -478,7 +478,7 @@
           <a:p>
             <a:fld id="{62164A38-496E-4635-AD4D-E4F60A7AA5BC}" type="datetimeFigureOut">
               <a:rPr lang="tr-TR" smtClean="0"/>
-              <a:t>17.09.2023</a:t>
+              <a:t>26.09.2023</a:t>
             </a:fld>
             <a:endParaRPr lang="tr-TR"/>
           </a:p>
@@ -686,7 +686,7 @@
           <a:p>
             <a:fld id="{62164A38-496E-4635-AD4D-E4F60A7AA5BC}" type="datetimeFigureOut">
               <a:rPr lang="tr-TR" smtClean="0"/>
-              <a:t>17.09.2023</a:t>
+              <a:t>26.09.2023</a:t>
             </a:fld>
             <a:endParaRPr lang="tr-TR"/>
           </a:p>
@@ -884,7 +884,7 @@
           <a:p>
             <a:fld id="{62164A38-496E-4635-AD4D-E4F60A7AA5BC}" type="datetimeFigureOut">
               <a:rPr lang="tr-TR" smtClean="0"/>
-              <a:t>17.09.2023</a:t>
+              <a:t>26.09.2023</a:t>
             </a:fld>
             <a:endParaRPr lang="tr-TR"/>
           </a:p>
@@ -1159,7 +1159,7 @@
           <a:p>
             <a:fld id="{62164A38-496E-4635-AD4D-E4F60A7AA5BC}" type="datetimeFigureOut">
               <a:rPr lang="tr-TR" smtClean="0"/>
-              <a:t>17.09.2023</a:t>
+              <a:t>26.09.2023</a:t>
             </a:fld>
             <a:endParaRPr lang="tr-TR"/>
           </a:p>
@@ -1424,7 +1424,7 @@
           <a:p>
             <a:fld id="{62164A38-496E-4635-AD4D-E4F60A7AA5BC}" type="datetimeFigureOut">
               <a:rPr lang="tr-TR" smtClean="0"/>
-              <a:t>17.09.2023</a:t>
+              <a:t>26.09.2023</a:t>
             </a:fld>
             <a:endParaRPr lang="tr-TR"/>
           </a:p>
@@ -1836,7 +1836,7 @@
           <a:p>
             <a:fld id="{62164A38-496E-4635-AD4D-E4F60A7AA5BC}" type="datetimeFigureOut">
               <a:rPr lang="tr-TR" smtClean="0"/>
-              <a:t>17.09.2023</a:t>
+              <a:t>26.09.2023</a:t>
             </a:fld>
             <a:endParaRPr lang="tr-TR"/>
           </a:p>
@@ -1977,7 +1977,7 @@
           <a:p>
             <a:fld id="{62164A38-496E-4635-AD4D-E4F60A7AA5BC}" type="datetimeFigureOut">
               <a:rPr lang="tr-TR" smtClean="0"/>
-              <a:t>17.09.2023</a:t>
+              <a:t>26.09.2023</a:t>
             </a:fld>
             <a:endParaRPr lang="tr-TR"/>
           </a:p>
@@ -2090,7 +2090,7 @@
           <a:p>
             <a:fld id="{62164A38-496E-4635-AD4D-E4F60A7AA5BC}" type="datetimeFigureOut">
               <a:rPr lang="tr-TR" smtClean="0"/>
-              <a:t>17.09.2023</a:t>
+              <a:t>26.09.2023</a:t>
             </a:fld>
             <a:endParaRPr lang="tr-TR"/>
           </a:p>
@@ -2401,7 +2401,7 @@
           <a:p>
             <a:fld id="{62164A38-496E-4635-AD4D-E4F60A7AA5BC}" type="datetimeFigureOut">
               <a:rPr lang="tr-TR" smtClean="0"/>
-              <a:t>17.09.2023</a:t>
+              <a:t>26.09.2023</a:t>
             </a:fld>
             <a:endParaRPr lang="tr-TR"/>
           </a:p>
@@ -2689,7 +2689,7 @@
           <a:p>
             <a:fld id="{62164A38-496E-4635-AD4D-E4F60A7AA5BC}" type="datetimeFigureOut">
               <a:rPr lang="tr-TR" smtClean="0"/>
-              <a:t>17.09.2023</a:t>
+              <a:t>26.09.2023</a:t>
             </a:fld>
             <a:endParaRPr lang="tr-TR"/>
           </a:p>
@@ -2930,7 +2930,7 @@
           <a:p>
             <a:fld id="{62164A38-496E-4635-AD4D-E4F60A7AA5BC}" type="datetimeFigureOut">
               <a:rPr lang="tr-TR" smtClean="0"/>
-              <a:t>17.09.2023</a:t>
+              <a:t>26.09.2023</a:t>
             </a:fld>
             <a:endParaRPr lang="tr-TR"/>
           </a:p>

--- a/2023-10-07 Devnot Kubernetes Integrated Development/KubernetesIntegratedDevelopment2023.pptx
+++ b/2023-10-07 Devnot Kubernetes Integrated Development/KubernetesIntegratedDevelopment2023.pptx
@@ -10,15 +10,16 @@
     <p:sldId id="257" r:id="rId4"/>
     <p:sldId id="262" r:id="rId5"/>
     <p:sldId id="259" r:id="rId6"/>
-    <p:sldId id="260" r:id="rId7"/>
-    <p:sldId id="270" r:id="rId8"/>
-    <p:sldId id="271" r:id="rId9"/>
-    <p:sldId id="263" r:id="rId10"/>
-    <p:sldId id="272" r:id="rId11"/>
-    <p:sldId id="264" r:id="rId12"/>
-    <p:sldId id="265" r:id="rId13"/>
-    <p:sldId id="266" r:id="rId14"/>
-    <p:sldId id="267" r:id="rId15"/>
+    <p:sldId id="267" r:id="rId7"/>
+    <p:sldId id="260" r:id="rId8"/>
+    <p:sldId id="270" r:id="rId9"/>
+    <p:sldId id="271" r:id="rId10"/>
+    <p:sldId id="263" r:id="rId11"/>
+    <p:sldId id="272" r:id="rId12"/>
+    <p:sldId id="264" r:id="rId13"/>
+    <p:sldId id="265" r:id="rId14"/>
+    <p:sldId id="266" r:id="rId15"/>
+    <p:sldId id="273" r:id="rId16"/>
   </p:sldIdLst>
   <p:sldSz cx="12192000" cy="6858000"/>
   <p:notesSz cx="6858000" cy="9144000"/>
@@ -3665,6 +3666,668 @@
         <p:spPr>
           <a:xfrm>
             <a:off x="323850" y="361950"/>
+            <a:ext cx="6720109" cy="584775"/>
+          </a:xfrm>
+          <a:prstGeom prst="rect">
+            <a:avLst/>
+          </a:prstGeom>
+          <a:noFill/>
+        </p:spPr>
+        <p:txBody>
+          <a:bodyPr wrap="none" rtlCol="0">
+            <a:spAutoFit/>
+          </a:bodyPr>
+          <a:lstStyle/>
+          <a:p>
+            <a:r>
+              <a:rPr lang="tr-TR" sz="3200" b="1" dirty="0">
+                <a:solidFill>
+                  <a:srgbClr val="1C2313"/>
+                </a:solidFill>
+                <a:latin typeface="Open Sans" pitchFamily="2" charset="0"/>
+                <a:ea typeface="Open Sans" pitchFamily="2" charset="0"/>
+                <a:cs typeface="Open Sans" pitchFamily="2" charset="0"/>
+              </a:rPr>
+              <a:t>Kubernetes: How can it help us?</a:t>
+            </a:r>
+          </a:p>
+        </p:txBody>
+      </p:sp>
+      <p:pic>
+        <p:nvPicPr>
+          <p:cNvPr id="3" name="Resim 2">
+            <a:extLst>
+              <a:ext uri="{FF2B5EF4-FFF2-40B4-BE49-F238E27FC236}">
+                <a16:creationId xmlns:a16="http://schemas.microsoft.com/office/drawing/2014/main" id="{664B8681-D97F-DAF6-0838-E551958C5F00}"/>
+              </a:ext>
+            </a:extLst>
+          </p:cNvPr>
+          <p:cNvPicPr>
+            <a:picLocks noChangeAspect="1"/>
+          </p:cNvPicPr>
+          <p:nvPr/>
+        </p:nvPicPr>
+        <p:blipFill>
+          <a:blip r:embed="rId3">
+            <a:extLst>
+              <a:ext uri="{28A0092B-C50C-407E-A947-70E740481C1C}">
+                <a14:useLocalDpi xmlns:a14="http://schemas.microsoft.com/office/drawing/2010/main" val="0"/>
+              </a:ext>
+            </a:extLst>
+          </a:blip>
+          <a:srcRect/>
+          <a:stretch/>
+        </p:blipFill>
+        <p:spPr>
+          <a:xfrm>
+            <a:off x="423589" y="6110014"/>
+            <a:ext cx="376511" cy="376511"/>
+          </a:xfrm>
+          <a:prstGeom prst="rect">
+            <a:avLst/>
+          </a:prstGeom>
+        </p:spPr>
+      </p:pic>
+      <p:sp>
+        <p:nvSpPr>
+          <p:cNvPr id="10" name="Metin kutusu 9">
+            <a:extLst>
+              <a:ext uri="{FF2B5EF4-FFF2-40B4-BE49-F238E27FC236}">
+                <a16:creationId xmlns:a16="http://schemas.microsoft.com/office/drawing/2014/main" id="{4BC5D443-8567-BBB4-6990-28A2393702EB}"/>
+              </a:ext>
+            </a:extLst>
+          </p:cNvPr>
+          <p:cNvSpPr txBox="1"/>
+          <p:nvPr/>
+        </p:nvSpPr>
+        <p:spPr>
+          <a:xfrm>
+            <a:off x="847154" y="6112073"/>
+            <a:ext cx="2332690" cy="369332"/>
+          </a:xfrm>
+          <a:prstGeom prst="rect">
+            <a:avLst/>
+          </a:prstGeom>
+          <a:noFill/>
+        </p:spPr>
+        <p:txBody>
+          <a:bodyPr wrap="none" rtlCol="0" anchor="t">
+            <a:spAutoFit/>
+          </a:bodyPr>
+          <a:lstStyle/>
+          <a:p>
+            <a:r>
+              <a:rPr lang="tr-TR" dirty="0">
+                <a:solidFill>
+                  <a:srgbClr val="1C2313"/>
+                </a:solidFill>
+                <a:latin typeface="Open Sans" pitchFamily="2" charset="0"/>
+                <a:ea typeface="Open Sans" pitchFamily="2" charset="0"/>
+                <a:cs typeface="Open Sans" pitchFamily="2" charset="0"/>
+              </a:rPr>
+              <a:t>Halil İbrahim Kalkan</a:t>
+            </a:r>
+          </a:p>
+        </p:txBody>
+      </p:sp>
+      <p:sp>
+        <p:nvSpPr>
+          <p:cNvPr id="2" name="Content Placeholder 2">
+            <a:extLst>
+              <a:ext uri="{FF2B5EF4-FFF2-40B4-BE49-F238E27FC236}">
+                <a16:creationId xmlns:a16="http://schemas.microsoft.com/office/drawing/2014/main" id="{4580A4FE-9B4C-44BA-F200-7E841BA70EA4}"/>
+              </a:ext>
+            </a:extLst>
+          </p:cNvPr>
+          <p:cNvSpPr>
+            <a:spLocks noGrp="1"/>
+          </p:cNvSpPr>
+          <p:nvPr>
+            <p:ph idx="1"/>
+          </p:nvPr>
+        </p:nvSpPr>
+        <p:spPr>
+          <a:xfrm>
+            <a:off x="323850" y="1226034"/>
+            <a:ext cx="11473139" cy="4675716"/>
+          </a:xfrm>
+        </p:spPr>
+        <p:txBody>
+          <a:bodyPr>
+            <a:normAutofit/>
+          </a:bodyPr>
+          <a:lstStyle/>
+          <a:p>
+            <a:r>
+              <a:rPr lang="tr-TR" sz="3200" dirty="0">
+                <a:solidFill>
+                  <a:srgbClr val="5B636F"/>
+                </a:solidFill>
+                <a:latin typeface="Open Sans" pitchFamily="2" charset="0"/>
+                <a:ea typeface="Open Sans" pitchFamily="2" charset="0"/>
+                <a:cs typeface="Open Sans" pitchFamily="2" charset="0"/>
+              </a:rPr>
+              <a:t>Run </a:t>
+            </a:r>
+            <a:r>
+              <a:rPr lang="tr-TR" sz="3200" b="1" dirty="0">
+                <a:solidFill>
+                  <a:srgbClr val="5B636F"/>
+                </a:solidFill>
+                <a:latin typeface="Open Sans" pitchFamily="2" charset="0"/>
+                <a:ea typeface="Open Sans" pitchFamily="2" charset="0"/>
+                <a:cs typeface="Open Sans" pitchFamily="2" charset="0"/>
+              </a:rPr>
+              <a:t>the solution </a:t>
+            </a:r>
+            <a:r>
+              <a:rPr lang="tr-TR" sz="3200" dirty="0">
+                <a:solidFill>
+                  <a:srgbClr val="5B636F"/>
+                </a:solidFill>
+                <a:latin typeface="Open Sans" pitchFamily="2" charset="0"/>
+                <a:ea typeface="Open Sans" pitchFamily="2" charset="0"/>
+                <a:cs typeface="Open Sans" pitchFamily="2" charset="0"/>
+              </a:rPr>
+              <a:t>in a </a:t>
+            </a:r>
+            <a:r>
+              <a:rPr lang="tr-TR" sz="3200" b="1" dirty="0">
+                <a:solidFill>
+                  <a:srgbClr val="5B636F"/>
+                </a:solidFill>
+                <a:latin typeface="Open Sans" pitchFamily="2" charset="0"/>
+                <a:ea typeface="Open Sans" pitchFamily="2" charset="0"/>
+                <a:cs typeface="Open Sans" pitchFamily="2" charset="0"/>
+              </a:rPr>
+              <a:t>Kubernetes </a:t>
+            </a:r>
+            <a:r>
+              <a:rPr lang="tr-TR" sz="3200" dirty="0">
+                <a:solidFill>
+                  <a:srgbClr val="5B636F"/>
+                </a:solidFill>
+                <a:latin typeface="Open Sans" pitchFamily="2" charset="0"/>
+                <a:ea typeface="Open Sans" pitchFamily="2" charset="0"/>
+                <a:cs typeface="Open Sans" pitchFamily="2" charset="0"/>
+              </a:rPr>
+              <a:t>cluster</a:t>
+            </a:r>
+            <a:br>
+              <a:rPr lang="tr-TR" sz="3200" dirty="0">
+                <a:solidFill>
+                  <a:srgbClr val="5B636F"/>
+                </a:solidFill>
+                <a:latin typeface="Open Sans" pitchFamily="2" charset="0"/>
+                <a:ea typeface="Open Sans" pitchFamily="2" charset="0"/>
+                <a:cs typeface="Open Sans" pitchFamily="2" charset="0"/>
+              </a:rPr>
+            </a:br>
+            <a:r>
+              <a:rPr lang="tr-TR" sz="3200" i="1" dirty="0">
+                <a:solidFill>
+                  <a:srgbClr val="5B636F"/>
+                </a:solidFill>
+                <a:latin typeface="Open Sans" pitchFamily="2" charset="0"/>
+                <a:ea typeface="Open Sans" pitchFamily="2" charset="0"/>
+                <a:cs typeface="Open Sans" pitchFamily="2" charset="0"/>
+              </a:rPr>
+              <a:t>(all applications, services, gateways, infrastructure)</a:t>
+            </a:r>
+          </a:p>
+          <a:p>
+            <a:r>
+              <a:rPr lang="tr-TR" sz="3200" dirty="0">
+                <a:solidFill>
+                  <a:srgbClr val="5B636F"/>
+                </a:solidFill>
+                <a:latin typeface="Open Sans" pitchFamily="2" charset="0"/>
+                <a:ea typeface="Open Sans" pitchFamily="2" charset="0"/>
+                <a:cs typeface="Open Sans" pitchFamily="2" charset="0"/>
+              </a:rPr>
+              <a:t>Run the </a:t>
+            </a:r>
+            <a:r>
+              <a:rPr lang="tr-TR" sz="3200" b="1" i="1" dirty="0">
+                <a:solidFill>
+                  <a:srgbClr val="5B636F"/>
+                </a:solidFill>
+                <a:latin typeface="Open Sans" pitchFamily="2" charset="0"/>
+                <a:ea typeface="Open Sans" pitchFamily="2" charset="0"/>
+                <a:cs typeface="Open Sans" pitchFamily="2" charset="0"/>
+              </a:rPr>
+              <a:t>Product Service</a:t>
+            </a:r>
+            <a:r>
+              <a:rPr lang="tr-TR" sz="3200" b="1" dirty="0">
+                <a:solidFill>
+                  <a:srgbClr val="5B636F"/>
+                </a:solidFill>
+                <a:latin typeface="Open Sans" pitchFamily="2" charset="0"/>
+                <a:ea typeface="Open Sans" pitchFamily="2" charset="0"/>
+                <a:cs typeface="Open Sans" pitchFamily="2" charset="0"/>
+              </a:rPr>
+              <a:t> </a:t>
+            </a:r>
+            <a:r>
+              <a:rPr lang="tr-TR" sz="3200" dirty="0">
+                <a:solidFill>
+                  <a:srgbClr val="5B636F"/>
+                </a:solidFill>
+                <a:latin typeface="Open Sans" pitchFamily="2" charset="0"/>
+                <a:ea typeface="Open Sans" pitchFamily="2" charset="0"/>
+                <a:cs typeface="Open Sans" pitchFamily="2" charset="0"/>
+              </a:rPr>
+              <a:t>in your </a:t>
+            </a:r>
+            <a:r>
+              <a:rPr lang="tr-TR" sz="3200" b="1" dirty="0">
+                <a:solidFill>
+                  <a:srgbClr val="5B636F"/>
+                </a:solidFill>
+                <a:latin typeface="Open Sans" pitchFamily="2" charset="0"/>
+                <a:ea typeface="Open Sans" pitchFamily="2" charset="0"/>
+                <a:cs typeface="Open Sans" pitchFamily="2" charset="0"/>
+              </a:rPr>
+              <a:t>local computer</a:t>
+            </a:r>
+            <a:r>
+              <a:rPr lang="tr-TR" sz="3200" dirty="0">
+                <a:solidFill>
+                  <a:srgbClr val="5B636F"/>
+                </a:solidFill>
+                <a:latin typeface="Open Sans" pitchFamily="2" charset="0"/>
+                <a:ea typeface="Open Sans" pitchFamily="2" charset="0"/>
+                <a:cs typeface="Open Sans" pitchFamily="2" charset="0"/>
+              </a:rPr>
+              <a:t>, in your favorute IDE</a:t>
+            </a:r>
+          </a:p>
+          <a:p>
+            <a:r>
+              <a:rPr lang="tr-TR" sz="3200" b="1" dirty="0">
+                <a:solidFill>
+                  <a:srgbClr val="5B636F"/>
+                </a:solidFill>
+                <a:latin typeface="Open Sans" pitchFamily="2" charset="0"/>
+                <a:ea typeface="Open Sans" pitchFamily="2" charset="0"/>
+                <a:cs typeface="Open Sans" pitchFamily="2" charset="0"/>
+              </a:rPr>
+              <a:t>Connect two environments together!</a:t>
+            </a:r>
+          </a:p>
+          <a:p>
+            <a:pPr marL="0" indent="0">
+              <a:buNone/>
+            </a:pPr>
+            <a:endParaRPr lang="tr-TR" sz="3200" b="1" dirty="0">
+              <a:solidFill>
+                <a:srgbClr val="5B636F"/>
+              </a:solidFill>
+              <a:latin typeface="Open Sans" pitchFamily="2" charset="0"/>
+              <a:ea typeface="Open Sans" pitchFamily="2" charset="0"/>
+              <a:cs typeface="Open Sans" pitchFamily="2" charset="0"/>
+            </a:endParaRPr>
+          </a:p>
+          <a:p>
+            <a:pPr marL="0" indent="0" algn="ctr">
+              <a:buNone/>
+            </a:pPr>
+            <a:r>
+              <a:rPr lang="tr-TR" sz="6600" b="1" dirty="0">
+                <a:solidFill>
+                  <a:srgbClr val="5B636F"/>
+                </a:solidFill>
+                <a:latin typeface="Open Sans" pitchFamily="2" charset="0"/>
+                <a:ea typeface="Open Sans" pitchFamily="2" charset="0"/>
+                <a:cs typeface="Open Sans" pitchFamily="2" charset="0"/>
+              </a:rPr>
+              <a:t>HOW..?</a:t>
+            </a:r>
+            <a:endParaRPr lang="en-US" sz="6600" b="1" dirty="0">
+              <a:solidFill>
+                <a:srgbClr val="5B636F"/>
+              </a:solidFill>
+              <a:latin typeface="Open Sans" pitchFamily="2" charset="0"/>
+              <a:ea typeface="Open Sans" pitchFamily="2" charset="0"/>
+              <a:cs typeface="Open Sans" pitchFamily="2" charset="0"/>
+            </a:endParaRPr>
+          </a:p>
+        </p:txBody>
+      </p:sp>
+    </p:spTree>
+    <p:extLst>
+      <p:ext uri="{BB962C8B-B14F-4D97-AF65-F5344CB8AC3E}">
+        <p14:creationId xmlns:p14="http://schemas.microsoft.com/office/powerpoint/2010/main" val="1297649909"/>
+      </p:ext>
+    </p:extLst>
+  </p:cSld>
+  <p:clrMapOvr>
+    <a:masterClrMapping/>
+  </p:clrMapOvr>
+  <p:timing>
+    <p:tnLst>
+      <p:par>
+        <p:cTn id="1" dur="indefinite" restart="never" nodeType="tmRoot">
+          <p:childTnLst>
+            <p:seq concurrent="1" nextAc="seek">
+              <p:cTn id="2" dur="indefinite" nodeType="mainSeq">
+                <p:childTnLst>
+                  <p:par>
+                    <p:cTn id="3" fill="hold">
+                      <p:stCondLst>
+                        <p:cond delay="indefinite"/>
+                      </p:stCondLst>
+                      <p:childTnLst>
+                        <p:par>
+                          <p:cTn id="4" fill="hold">
+                            <p:stCondLst>
+                              <p:cond delay="0"/>
+                            </p:stCondLst>
+                            <p:childTnLst>
+                              <p:par>
+                                <p:cTn id="5" presetID="10" presetClass="entr" presetSubtype="0" fill="hold" nodeType="clickEffect">
+                                  <p:stCondLst>
+                                    <p:cond delay="0"/>
+                                  </p:stCondLst>
+                                  <p:childTnLst>
+                                    <p:set>
+                                      <p:cBhvr>
+                                        <p:cTn id="6" dur="1" fill="hold">
+                                          <p:stCondLst>
+                                            <p:cond delay="0"/>
+                                          </p:stCondLst>
+                                        </p:cTn>
+                                        <p:tgtEl>
+                                          <p:spTgt spid="2">
+                                            <p:txEl>
+                                              <p:pRg st="0" end="0"/>
+                                            </p:txEl>
+                                          </p:spTgt>
+                                        </p:tgtEl>
+                                        <p:attrNameLst>
+                                          <p:attrName>style.visibility</p:attrName>
+                                        </p:attrNameLst>
+                                      </p:cBhvr>
+                                      <p:to>
+                                        <p:strVal val="visible"/>
+                                      </p:to>
+                                    </p:set>
+                                    <p:animEffect transition="in" filter="fade">
+                                      <p:cBhvr>
+                                        <p:cTn id="7" dur="500"/>
+                                        <p:tgtEl>
+                                          <p:spTgt spid="2">
+                                            <p:txEl>
+                                              <p:pRg st="0" end="0"/>
+                                            </p:txEl>
+                                          </p:spTgt>
+                                        </p:tgtEl>
+                                      </p:cBhvr>
+                                    </p:animEffect>
+                                  </p:childTnLst>
+                                </p:cTn>
+                              </p:par>
+                            </p:childTnLst>
+                          </p:cTn>
+                        </p:par>
+                      </p:childTnLst>
+                    </p:cTn>
+                  </p:par>
+                  <p:par>
+                    <p:cTn id="8" fill="hold">
+                      <p:stCondLst>
+                        <p:cond delay="indefinite"/>
+                      </p:stCondLst>
+                      <p:childTnLst>
+                        <p:par>
+                          <p:cTn id="9" fill="hold">
+                            <p:stCondLst>
+                              <p:cond delay="0"/>
+                            </p:stCondLst>
+                            <p:childTnLst>
+                              <p:par>
+                                <p:cTn id="10" presetID="10" presetClass="entr" presetSubtype="0" fill="hold" nodeType="clickEffect">
+                                  <p:stCondLst>
+                                    <p:cond delay="0"/>
+                                  </p:stCondLst>
+                                  <p:childTnLst>
+                                    <p:set>
+                                      <p:cBhvr>
+                                        <p:cTn id="11" dur="1" fill="hold">
+                                          <p:stCondLst>
+                                            <p:cond delay="0"/>
+                                          </p:stCondLst>
+                                        </p:cTn>
+                                        <p:tgtEl>
+                                          <p:spTgt spid="2">
+                                            <p:txEl>
+                                              <p:pRg st="1" end="1"/>
+                                            </p:txEl>
+                                          </p:spTgt>
+                                        </p:tgtEl>
+                                        <p:attrNameLst>
+                                          <p:attrName>style.visibility</p:attrName>
+                                        </p:attrNameLst>
+                                      </p:cBhvr>
+                                      <p:to>
+                                        <p:strVal val="visible"/>
+                                      </p:to>
+                                    </p:set>
+                                    <p:animEffect transition="in" filter="fade">
+                                      <p:cBhvr>
+                                        <p:cTn id="12" dur="500"/>
+                                        <p:tgtEl>
+                                          <p:spTgt spid="2">
+                                            <p:txEl>
+                                              <p:pRg st="1" end="1"/>
+                                            </p:txEl>
+                                          </p:spTgt>
+                                        </p:tgtEl>
+                                      </p:cBhvr>
+                                    </p:animEffect>
+                                  </p:childTnLst>
+                                </p:cTn>
+                              </p:par>
+                            </p:childTnLst>
+                          </p:cTn>
+                        </p:par>
+                      </p:childTnLst>
+                    </p:cTn>
+                  </p:par>
+                  <p:par>
+                    <p:cTn id="13" fill="hold">
+                      <p:stCondLst>
+                        <p:cond delay="indefinite"/>
+                      </p:stCondLst>
+                      <p:childTnLst>
+                        <p:par>
+                          <p:cTn id="14" fill="hold">
+                            <p:stCondLst>
+                              <p:cond delay="0"/>
+                            </p:stCondLst>
+                            <p:childTnLst>
+                              <p:par>
+                                <p:cTn id="15" presetID="10" presetClass="entr" presetSubtype="0" fill="hold" nodeType="clickEffect">
+                                  <p:stCondLst>
+                                    <p:cond delay="0"/>
+                                  </p:stCondLst>
+                                  <p:childTnLst>
+                                    <p:set>
+                                      <p:cBhvr>
+                                        <p:cTn id="16" dur="1" fill="hold">
+                                          <p:stCondLst>
+                                            <p:cond delay="0"/>
+                                          </p:stCondLst>
+                                        </p:cTn>
+                                        <p:tgtEl>
+                                          <p:spTgt spid="2">
+                                            <p:txEl>
+                                              <p:pRg st="2" end="2"/>
+                                            </p:txEl>
+                                          </p:spTgt>
+                                        </p:tgtEl>
+                                        <p:attrNameLst>
+                                          <p:attrName>style.visibility</p:attrName>
+                                        </p:attrNameLst>
+                                      </p:cBhvr>
+                                      <p:to>
+                                        <p:strVal val="visible"/>
+                                      </p:to>
+                                    </p:set>
+                                    <p:animEffect transition="in" filter="fade">
+                                      <p:cBhvr>
+                                        <p:cTn id="17" dur="500"/>
+                                        <p:tgtEl>
+                                          <p:spTgt spid="2">
+                                            <p:txEl>
+                                              <p:pRg st="2" end="2"/>
+                                            </p:txEl>
+                                          </p:spTgt>
+                                        </p:tgtEl>
+                                      </p:cBhvr>
+                                    </p:animEffect>
+                                  </p:childTnLst>
+                                </p:cTn>
+                              </p:par>
+                            </p:childTnLst>
+                          </p:cTn>
+                        </p:par>
+                      </p:childTnLst>
+                    </p:cTn>
+                  </p:par>
+                  <p:par>
+                    <p:cTn id="18" fill="hold">
+                      <p:stCondLst>
+                        <p:cond delay="indefinite"/>
+                      </p:stCondLst>
+                      <p:childTnLst>
+                        <p:par>
+                          <p:cTn id="19" fill="hold">
+                            <p:stCondLst>
+                              <p:cond delay="0"/>
+                            </p:stCondLst>
+                            <p:childTnLst>
+                              <p:par>
+                                <p:cTn id="20" presetID="10" presetClass="entr" presetSubtype="0" fill="hold" nodeType="clickEffect">
+                                  <p:stCondLst>
+                                    <p:cond delay="0"/>
+                                  </p:stCondLst>
+                                  <p:childTnLst>
+                                    <p:set>
+                                      <p:cBhvr>
+                                        <p:cTn id="21" dur="1" fill="hold">
+                                          <p:stCondLst>
+                                            <p:cond delay="0"/>
+                                          </p:stCondLst>
+                                        </p:cTn>
+                                        <p:tgtEl>
+                                          <p:spTgt spid="2">
+                                            <p:txEl>
+                                              <p:pRg st="4" end="4"/>
+                                            </p:txEl>
+                                          </p:spTgt>
+                                        </p:tgtEl>
+                                        <p:attrNameLst>
+                                          <p:attrName>style.visibility</p:attrName>
+                                        </p:attrNameLst>
+                                      </p:cBhvr>
+                                      <p:to>
+                                        <p:strVal val="visible"/>
+                                      </p:to>
+                                    </p:set>
+                                    <p:animEffect transition="in" filter="fade">
+                                      <p:cBhvr>
+                                        <p:cTn id="22" dur="500"/>
+                                        <p:tgtEl>
+                                          <p:spTgt spid="2">
+                                            <p:txEl>
+                                              <p:pRg st="4" end="4"/>
+                                            </p:txEl>
+                                          </p:spTgt>
+                                        </p:tgtEl>
+                                      </p:cBhvr>
+                                    </p:animEffect>
+                                  </p:childTnLst>
+                                </p:cTn>
+                              </p:par>
+                            </p:childTnLst>
+                          </p:cTn>
+                        </p:par>
+                      </p:childTnLst>
+                    </p:cTn>
+                  </p:par>
+                </p:childTnLst>
+              </p:cTn>
+              <p:prevCondLst>
+                <p:cond evt="onPrev" delay="0">
+                  <p:tgtEl>
+                    <p:sldTgt/>
+                  </p:tgtEl>
+                </p:cond>
+              </p:prevCondLst>
+              <p:nextCondLst>
+                <p:cond evt="onNext" delay="0">
+                  <p:tgtEl>
+                    <p:sldTgt/>
+                  </p:tgtEl>
+                </p:cond>
+              </p:nextCondLst>
+            </p:seq>
+          </p:childTnLst>
+        </p:cTn>
+      </p:par>
+    </p:tnLst>
+  </p:timing>
+</p:sld>
+</file>
+
+<file path=ppt/slides/slide11.xml><?xml version="1.0" encoding="utf-8"?>
+<p:sld xmlns:a="http://schemas.openxmlformats.org/drawingml/2006/main" xmlns:r="http://schemas.openxmlformats.org/officeDocument/2006/relationships" xmlns:p="http://schemas.openxmlformats.org/presentationml/2006/main">
+  <p:cSld>
+    <p:bg>
+      <p:bgPr>
+        <a:blipFill dpi="0" rotWithShape="1">
+          <a:blip r:embed="rId2">
+            <a:lum/>
+          </a:blip>
+          <a:srcRect/>
+          <a:stretch>
+            <a:fillRect/>
+          </a:stretch>
+        </a:blipFill>
+        <a:effectLst/>
+      </p:bgPr>
+    </p:bg>
+    <p:spTree>
+      <p:nvGrpSpPr>
+        <p:cNvPr id="1" name=""/>
+        <p:cNvGrpSpPr/>
+        <p:nvPr/>
+      </p:nvGrpSpPr>
+      <p:grpSpPr>
+        <a:xfrm>
+          <a:off x="0" y="0"/>
+          <a:ext cx="0" cy="0"/>
+          <a:chOff x="0" y="0"/>
+          <a:chExt cx="0" cy="0"/>
+        </a:xfrm>
+      </p:grpSpPr>
+      <p:sp>
+        <p:nvSpPr>
+          <p:cNvPr id="8" name="Metin kutusu 7">
+            <a:extLst>
+              <a:ext uri="{FF2B5EF4-FFF2-40B4-BE49-F238E27FC236}">
+                <a16:creationId xmlns:a16="http://schemas.microsoft.com/office/drawing/2014/main" id="{29D82957-8FD0-49FF-B99F-7F7BB3AB2C9F}"/>
+              </a:ext>
+            </a:extLst>
+          </p:cNvPr>
+          <p:cNvSpPr txBox="1"/>
+          <p:nvPr/>
+        </p:nvSpPr>
+        <p:spPr>
+          <a:xfrm>
+            <a:off x="323850" y="361950"/>
             <a:ext cx="11238974" cy="584775"/>
           </a:xfrm>
           <a:prstGeom prst="rect">
@@ -5354,7 +6017,7 @@
 </p:sld>
 </file>
 
-<file path=ppt/slides/slide11.xml><?xml version="1.0" encoding="utf-8"?>
+<file path=ppt/slides/slide12.xml><?xml version="1.0" encoding="utf-8"?>
 <p:sld xmlns:a="http://schemas.openxmlformats.org/drawingml/2006/main" xmlns:r="http://schemas.openxmlformats.org/officeDocument/2006/relationships" xmlns:p="http://schemas.openxmlformats.org/presentationml/2006/main">
   <p:cSld>
     <p:bg>
@@ -10527,7 +11190,7 @@
 </p:sld>
 </file>
 
-<file path=ppt/slides/slide12.xml><?xml version="1.0" encoding="utf-8"?>
+<file path=ppt/slides/slide13.xml><?xml version="1.0" encoding="utf-8"?>
 <p:sld xmlns:a="http://schemas.openxmlformats.org/drawingml/2006/main" xmlns:r="http://schemas.openxmlformats.org/officeDocument/2006/relationships" xmlns:p="http://schemas.openxmlformats.org/presentationml/2006/main">
   <p:cSld>
     <p:bg>
@@ -10743,7 +11406,7 @@
 </p:sld>
 </file>
 
-<file path=ppt/slides/slide13.xml><?xml version="1.0" encoding="utf-8"?>
+<file path=ppt/slides/slide14.xml><?xml version="1.0" encoding="utf-8"?>
 <p:sld xmlns:a="http://schemas.openxmlformats.org/drawingml/2006/main" xmlns:r="http://schemas.openxmlformats.org/officeDocument/2006/relationships" xmlns:p="http://schemas.openxmlformats.org/presentationml/2006/main">
   <p:cSld>
     <p:bg>
@@ -11378,7 +12041,7 @@
 </p:sld>
 </file>
 
-<file path=ppt/slides/slide14.xml><?xml version="1.0" encoding="utf-8"?>
+<file path=ppt/slides/slide15.xml><?xml version="1.0" encoding="utf-8"?>
 <p:sld xmlns:a="http://schemas.openxmlformats.org/drawingml/2006/main" xmlns:r="http://schemas.openxmlformats.org/officeDocument/2006/relationships" xmlns:p="http://schemas.openxmlformats.org/presentationml/2006/main">
   <p:cSld>
     <p:bg>
@@ -11685,7 +12348,7 @@
     </p:spTree>
     <p:extLst>
       <p:ext uri="{BB962C8B-B14F-4D97-AF65-F5344CB8AC3E}">
-        <p14:creationId xmlns:p14="http://schemas.microsoft.com/office/powerpoint/2010/main" val="1195445792"/>
+        <p14:creationId xmlns:p14="http://schemas.microsoft.com/office/powerpoint/2010/main" val="687745280"/>
       </p:ext>
     </p:extLst>
   </p:cSld>
@@ -17682,6 +18345,265 @@
         <p:spPr>
           <a:xfrm>
             <a:off x="323850" y="361950"/>
+            <a:ext cx="5559535" cy="584775"/>
+          </a:xfrm>
+          <a:prstGeom prst="rect">
+            <a:avLst/>
+          </a:prstGeom>
+          <a:noFill/>
+        </p:spPr>
+        <p:txBody>
+          <a:bodyPr wrap="none" rtlCol="0">
+            <a:spAutoFit/>
+          </a:bodyPr>
+          <a:lstStyle/>
+          <a:p>
+            <a:r>
+              <a:rPr lang="en-US" sz="3200" b="1" dirty="0">
+                <a:solidFill>
+                  <a:srgbClr val="1C2313"/>
+                </a:solidFill>
+                <a:latin typeface="Open Sans" pitchFamily="2" charset="0"/>
+                <a:ea typeface="Open Sans" pitchFamily="2" charset="0"/>
+                <a:cs typeface="Open Sans" pitchFamily="2" charset="0"/>
+              </a:rPr>
+              <a:t>Uber’s Microservice Graph</a:t>
+            </a:r>
+            <a:endParaRPr lang="tr-TR" sz="3200" b="1" dirty="0">
+              <a:solidFill>
+                <a:srgbClr val="1C2313"/>
+              </a:solidFill>
+              <a:latin typeface="Open Sans" pitchFamily="2" charset="0"/>
+              <a:ea typeface="Open Sans" pitchFamily="2" charset="0"/>
+              <a:cs typeface="Open Sans" pitchFamily="2" charset="0"/>
+            </a:endParaRPr>
+          </a:p>
+        </p:txBody>
+      </p:sp>
+      <p:pic>
+        <p:nvPicPr>
+          <p:cNvPr id="3" name="Resim 2">
+            <a:extLst>
+              <a:ext uri="{FF2B5EF4-FFF2-40B4-BE49-F238E27FC236}">
+                <a16:creationId xmlns:a16="http://schemas.microsoft.com/office/drawing/2014/main" id="{664B8681-D97F-DAF6-0838-E551958C5F00}"/>
+              </a:ext>
+            </a:extLst>
+          </p:cNvPr>
+          <p:cNvPicPr>
+            <a:picLocks noChangeAspect="1"/>
+          </p:cNvPicPr>
+          <p:nvPr/>
+        </p:nvPicPr>
+        <p:blipFill>
+          <a:blip r:embed="rId3">
+            <a:extLst>
+              <a:ext uri="{28A0092B-C50C-407E-A947-70E740481C1C}">
+                <a14:useLocalDpi xmlns:a14="http://schemas.microsoft.com/office/drawing/2010/main" val="0"/>
+              </a:ext>
+            </a:extLst>
+          </a:blip>
+          <a:srcRect/>
+          <a:stretch/>
+        </p:blipFill>
+        <p:spPr>
+          <a:xfrm>
+            <a:off x="423589" y="6110014"/>
+            <a:ext cx="376511" cy="376511"/>
+          </a:xfrm>
+          <a:prstGeom prst="rect">
+            <a:avLst/>
+          </a:prstGeom>
+        </p:spPr>
+      </p:pic>
+      <p:sp>
+        <p:nvSpPr>
+          <p:cNvPr id="10" name="Metin kutusu 9">
+            <a:extLst>
+              <a:ext uri="{FF2B5EF4-FFF2-40B4-BE49-F238E27FC236}">
+                <a16:creationId xmlns:a16="http://schemas.microsoft.com/office/drawing/2014/main" id="{4BC5D443-8567-BBB4-6990-28A2393702EB}"/>
+              </a:ext>
+            </a:extLst>
+          </p:cNvPr>
+          <p:cNvSpPr txBox="1"/>
+          <p:nvPr/>
+        </p:nvSpPr>
+        <p:spPr>
+          <a:xfrm>
+            <a:off x="847154" y="6112073"/>
+            <a:ext cx="2332690" cy="369332"/>
+          </a:xfrm>
+          <a:prstGeom prst="rect">
+            <a:avLst/>
+          </a:prstGeom>
+          <a:noFill/>
+        </p:spPr>
+        <p:txBody>
+          <a:bodyPr wrap="none" rtlCol="0" anchor="t">
+            <a:spAutoFit/>
+          </a:bodyPr>
+          <a:lstStyle/>
+          <a:p>
+            <a:r>
+              <a:rPr lang="tr-TR" dirty="0">
+                <a:solidFill>
+                  <a:srgbClr val="1C2313"/>
+                </a:solidFill>
+                <a:latin typeface="Open Sans" pitchFamily="2" charset="0"/>
+                <a:ea typeface="Open Sans" pitchFamily="2" charset="0"/>
+                <a:cs typeface="Open Sans" pitchFamily="2" charset="0"/>
+              </a:rPr>
+              <a:t>Halil İbrahim Kalkan</a:t>
+            </a:r>
+          </a:p>
+        </p:txBody>
+      </p:sp>
+      <p:pic>
+        <p:nvPicPr>
+          <p:cNvPr id="1028" name="Picture 4">
+            <a:extLst>
+              <a:ext uri="{FF2B5EF4-FFF2-40B4-BE49-F238E27FC236}">
+                <a16:creationId xmlns:a16="http://schemas.microsoft.com/office/drawing/2014/main" id="{342B08F6-B32A-46ED-3A2D-10DA57226832}"/>
+              </a:ext>
+            </a:extLst>
+          </p:cNvPr>
+          <p:cNvPicPr>
+            <a:picLocks noChangeAspect="1" noChangeArrowheads="1"/>
+          </p:cNvPicPr>
+          <p:nvPr/>
+        </p:nvPicPr>
+        <p:blipFill>
+          <a:blip r:embed="rId4">
+            <a:extLst>
+              <a:ext uri="{28A0092B-C50C-407E-A947-70E740481C1C}">
+                <a14:useLocalDpi xmlns:a14="http://schemas.microsoft.com/office/drawing/2010/main" val="0"/>
+              </a:ext>
+            </a:extLst>
+          </a:blip>
+          <a:srcRect/>
+          <a:stretch>
+            <a:fillRect/>
+          </a:stretch>
+        </p:blipFill>
+        <p:spPr bwMode="auto">
+          <a:xfrm>
+            <a:off x="3399272" y="995929"/>
+            <a:ext cx="6789127" cy="5781366"/>
+          </a:xfrm>
+          <a:prstGeom prst="rect">
+            <a:avLst/>
+          </a:prstGeom>
+          <a:noFill/>
+          <a:extLst>
+            <a:ext uri="{909E8E84-426E-40DD-AFC4-6F175D3DCCD1}">
+              <a14:hiddenFill xmlns:a14="http://schemas.microsoft.com/office/drawing/2010/main">
+                <a:solidFill>
+                  <a:srgbClr val="FFFFFF"/>
+                </a:solidFill>
+              </a14:hiddenFill>
+            </a:ext>
+          </a:extLst>
+        </p:spPr>
+      </p:pic>
+      <p:sp>
+        <p:nvSpPr>
+          <p:cNvPr id="7" name="TextBox 6">
+            <a:extLst>
+              <a:ext uri="{FF2B5EF4-FFF2-40B4-BE49-F238E27FC236}">
+                <a16:creationId xmlns:a16="http://schemas.microsoft.com/office/drawing/2014/main" id="{88E13E2E-1E03-848D-7A62-00DB6C1F52FE}"/>
+              </a:ext>
+            </a:extLst>
+          </p:cNvPr>
+          <p:cNvSpPr txBox="1"/>
+          <p:nvPr/>
+        </p:nvSpPr>
+        <p:spPr>
+          <a:xfrm>
+            <a:off x="6054509" y="469671"/>
+            <a:ext cx="6095316" cy="369332"/>
+          </a:xfrm>
+          <a:prstGeom prst="rect">
+            <a:avLst/>
+          </a:prstGeom>
+          <a:noFill/>
+        </p:spPr>
+        <p:txBody>
+          <a:bodyPr wrap="square">
+            <a:spAutoFit/>
+          </a:bodyPr>
+          <a:lstStyle/>
+          <a:p>
+            <a:r>
+              <a:rPr lang="en-US" dirty="0">
+                <a:hlinkClick r:id="rId5"/>
+              </a:rPr>
+              <a:t>https://www.uber.com/en-TR/blog/microservice-architecture/</a:t>
+            </a:r>
+            <a:r>
+              <a:rPr lang="en-US" dirty="0"/>
+              <a:t> </a:t>
+            </a:r>
+          </a:p>
+        </p:txBody>
+      </p:sp>
+    </p:spTree>
+    <p:extLst>
+      <p:ext uri="{BB962C8B-B14F-4D97-AF65-F5344CB8AC3E}">
+        <p14:creationId xmlns:p14="http://schemas.microsoft.com/office/powerpoint/2010/main" val="1195445792"/>
+      </p:ext>
+    </p:extLst>
+  </p:cSld>
+  <p:clrMapOvr>
+    <a:masterClrMapping/>
+  </p:clrMapOvr>
+</p:sld>
+</file>
+
+<file path=ppt/slides/slide7.xml><?xml version="1.0" encoding="utf-8"?>
+<p:sld xmlns:a="http://schemas.openxmlformats.org/drawingml/2006/main" xmlns:r="http://schemas.openxmlformats.org/officeDocument/2006/relationships" xmlns:p="http://schemas.openxmlformats.org/presentationml/2006/main">
+  <p:cSld>
+    <p:bg>
+      <p:bgPr>
+        <a:blipFill dpi="0" rotWithShape="1">
+          <a:blip r:embed="rId2">
+            <a:lum/>
+          </a:blip>
+          <a:srcRect/>
+          <a:stretch>
+            <a:fillRect/>
+          </a:stretch>
+        </a:blipFill>
+        <a:effectLst/>
+      </p:bgPr>
+    </p:bg>
+    <p:spTree>
+      <p:nvGrpSpPr>
+        <p:cNvPr id="1" name=""/>
+        <p:cNvGrpSpPr/>
+        <p:nvPr/>
+      </p:nvGrpSpPr>
+      <p:grpSpPr>
+        <a:xfrm>
+          <a:off x="0" y="0"/>
+          <a:ext cx="0" cy="0"/>
+          <a:chOff x="0" y="0"/>
+          <a:chExt cx="0" cy="0"/>
+        </a:xfrm>
+      </p:grpSpPr>
+      <p:sp>
+        <p:nvSpPr>
+          <p:cNvPr id="8" name="Metin kutusu 7">
+            <a:extLst>
+              <a:ext uri="{FF2B5EF4-FFF2-40B4-BE49-F238E27FC236}">
+                <a16:creationId xmlns:a16="http://schemas.microsoft.com/office/drawing/2014/main" id="{29D82957-8FD0-49FF-B99F-7F7BB3AB2C9F}"/>
+              </a:ext>
+            </a:extLst>
+          </p:cNvPr>
+          <p:cNvSpPr txBox="1"/>
+          <p:nvPr/>
+        </p:nvSpPr>
+        <p:spPr>
+          <a:xfrm>
+            <a:off x="323850" y="361950"/>
             <a:ext cx="7316426" cy="584775"/>
           </a:xfrm>
           <a:prstGeom prst="rect">
@@ -19776,7 +20698,7 @@
 </p:sld>
 </file>
 
-<file path=ppt/slides/slide7.xml><?xml version="1.0" encoding="utf-8"?>
+<file path=ppt/slides/slide8.xml><?xml version="1.0" encoding="utf-8"?>
 <p:sld xmlns:a="http://schemas.openxmlformats.org/drawingml/2006/main" xmlns:r="http://schemas.openxmlformats.org/officeDocument/2006/relationships" xmlns:p="http://schemas.openxmlformats.org/presentationml/2006/main">
   <p:cSld>
     <p:bg>
@@ -20371,337 +21293,6 @@
 </p:sld>
 </file>
 
-<file path=ppt/slides/slide8.xml><?xml version="1.0" encoding="utf-8"?>
-<p:sld xmlns:a="http://schemas.openxmlformats.org/drawingml/2006/main" xmlns:r="http://schemas.openxmlformats.org/officeDocument/2006/relationships" xmlns:p="http://schemas.openxmlformats.org/presentationml/2006/main">
-  <p:cSld>
-    <p:bg>
-      <p:bgPr>
-        <a:blipFill dpi="0" rotWithShape="1">
-          <a:blip r:embed="rId2">
-            <a:lum/>
-          </a:blip>
-          <a:srcRect/>
-          <a:stretch>
-            <a:fillRect/>
-          </a:stretch>
-        </a:blipFill>
-        <a:effectLst/>
-      </p:bgPr>
-    </p:bg>
-    <p:spTree>
-      <p:nvGrpSpPr>
-        <p:cNvPr id="1" name=""/>
-        <p:cNvGrpSpPr/>
-        <p:nvPr/>
-      </p:nvGrpSpPr>
-      <p:grpSpPr>
-        <a:xfrm>
-          <a:off x="0" y="0"/>
-          <a:ext cx="0" cy="0"/>
-          <a:chOff x="0" y="0"/>
-          <a:chExt cx="0" cy="0"/>
-        </a:xfrm>
-      </p:grpSpPr>
-      <p:sp>
-        <p:nvSpPr>
-          <p:cNvPr id="8" name="Metin kutusu 7">
-            <a:extLst>
-              <a:ext uri="{FF2B5EF4-FFF2-40B4-BE49-F238E27FC236}">
-                <a16:creationId xmlns:a16="http://schemas.microsoft.com/office/drawing/2014/main" id="{29D82957-8FD0-49FF-B99F-7F7BB3AB2C9F}"/>
-              </a:ext>
-            </a:extLst>
-          </p:cNvPr>
-          <p:cNvSpPr txBox="1"/>
-          <p:nvPr/>
-        </p:nvSpPr>
-        <p:spPr>
-          <a:xfrm>
-            <a:off x="323850" y="361950"/>
-            <a:ext cx="4908716" cy="584775"/>
-          </a:xfrm>
-          <a:prstGeom prst="rect">
-            <a:avLst/>
-          </a:prstGeom>
-          <a:noFill/>
-        </p:spPr>
-        <p:txBody>
-          <a:bodyPr wrap="none" rtlCol="0">
-            <a:spAutoFit/>
-          </a:bodyPr>
-          <a:lstStyle/>
-          <a:p>
-            <a:r>
-              <a:rPr lang="tr-TR" sz="3200" b="1" dirty="0">
-                <a:solidFill>
-                  <a:srgbClr val="1C2313"/>
-                </a:solidFill>
-                <a:latin typeface="Open Sans" pitchFamily="2" charset="0"/>
-                <a:ea typeface="Open Sans" pitchFamily="2" charset="0"/>
-                <a:cs typeface="Open Sans" pitchFamily="2" charset="0"/>
-              </a:rPr>
-              <a:t>Kubernetes: What is it?</a:t>
-            </a:r>
-          </a:p>
-        </p:txBody>
-      </p:sp>
-      <p:pic>
-        <p:nvPicPr>
-          <p:cNvPr id="3" name="Resim 2">
-            <a:extLst>
-              <a:ext uri="{FF2B5EF4-FFF2-40B4-BE49-F238E27FC236}">
-                <a16:creationId xmlns:a16="http://schemas.microsoft.com/office/drawing/2014/main" id="{664B8681-D97F-DAF6-0838-E551958C5F00}"/>
-              </a:ext>
-            </a:extLst>
-          </p:cNvPr>
-          <p:cNvPicPr>
-            <a:picLocks noChangeAspect="1"/>
-          </p:cNvPicPr>
-          <p:nvPr/>
-        </p:nvPicPr>
-        <p:blipFill>
-          <a:blip r:embed="rId3">
-            <a:extLst>
-              <a:ext uri="{28A0092B-C50C-407E-A947-70E740481C1C}">
-                <a14:useLocalDpi xmlns:a14="http://schemas.microsoft.com/office/drawing/2010/main" val="0"/>
-              </a:ext>
-            </a:extLst>
-          </a:blip>
-          <a:srcRect/>
-          <a:stretch/>
-        </p:blipFill>
-        <p:spPr>
-          <a:xfrm>
-            <a:off x="423589" y="6110014"/>
-            <a:ext cx="376511" cy="376511"/>
-          </a:xfrm>
-          <a:prstGeom prst="rect">
-            <a:avLst/>
-          </a:prstGeom>
-        </p:spPr>
-      </p:pic>
-      <p:sp>
-        <p:nvSpPr>
-          <p:cNvPr id="10" name="Metin kutusu 9">
-            <a:extLst>
-              <a:ext uri="{FF2B5EF4-FFF2-40B4-BE49-F238E27FC236}">
-                <a16:creationId xmlns:a16="http://schemas.microsoft.com/office/drawing/2014/main" id="{4BC5D443-8567-BBB4-6990-28A2393702EB}"/>
-              </a:ext>
-            </a:extLst>
-          </p:cNvPr>
-          <p:cNvSpPr txBox="1"/>
-          <p:nvPr/>
-        </p:nvSpPr>
-        <p:spPr>
-          <a:xfrm>
-            <a:off x="847154" y="6112073"/>
-            <a:ext cx="2332690" cy="369332"/>
-          </a:xfrm>
-          <a:prstGeom prst="rect">
-            <a:avLst/>
-          </a:prstGeom>
-          <a:noFill/>
-        </p:spPr>
-        <p:txBody>
-          <a:bodyPr wrap="none" rtlCol="0" anchor="t">
-            <a:spAutoFit/>
-          </a:bodyPr>
-          <a:lstStyle/>
-          <a:p>
-            <a:r>
-              <a:rPr lang="tr-TR" dirty="0">
-                <a:solidFill>
-                  <a:srgbClr val="1C2313"/>
-                </a:solidFill>
-                <a:latin typeface="Open Sans" pitchFamily="2" charset="0"/>
-                <a:ea typeface="Open Sans" pitchFamily="2" charset="0"/>
-                <a:cs typeface="Open Sans" pitchFamily="2" charset="0"/>
-              </a:rPr>
-              <a:t>Halil İbrahim Kalkan</a:t>
-            </a:r>
-          </a:p>
-        </p:txBody>
-      </p:sp>
-      <p:sp>
-        <p:nvSpPr>
-          <p:cNvPr id="2" name="Content Placeholder 2">
-            <a:extLst>
-              <a:ext uri="{FF2B5EF4-FFF2-40B4-BE49-F238E27FC236}">
-                <a16:creationId xmlns:a16="http://schemas.microsoft.com/office/drawing/2014/main" id="{4580A4FE-9B4C-44BA-F200-7E841BA70EA4}"/>
-              </a:ext>
-            </a:extLst>
-          </p:cNvPr>
-          <p:cNvSpPr>
-            <a:spLocks noGrp="1"/>
-          </p:cNvSpPr>
-          <p:nvPr>
-            <p:ph idx="1"/>
-          </p:nvPr>
-        </p:nvSpPr>
-        <p:spPr>
-          <a:xfrm>
-            <a:off x="323850" y="1226034"/>
-            <a:ext cx="11473139" cy="4675716"/>
-          </a:xfrm>
-        </p:spPr>
-        <p:txBody>
-          <a:bodyPr>
-            <a:normAutofit/>
-          </a:bodyPr>
-          <a:lstStyle/>
-          <a:p>
-            <a:r>
-              <a:rPr lang="tr-TR" dirty="0">
-                <a:solidFill>
-                  <a:srgbClr val="5B636F"/>
-                </a:solidFill>
-                <a:latin typeface="Open Sans" pitchFamily="2" charset="0"/>
-                <a:ea typeface="Open Sans" pitchFamily="2" charset="0"/>
-                <a:cs typeface="Open Sans" pitchFamily="2" charset="0"/>
-              </a:rPr>
-              <a:t>A</a:t>
-            </a:r>
-            <a:r>
-              <a:rPr lang="en-US" dirty="0">
-                <a:solidFill>
-                  <a:srgbClr val="5B636F"/>
-                </a:solidFill>
-                <a:latin typeface="Open Sans" pitchFamily="2" charset="0"/>
-                <a:ea typeface="Open Sans" pitchFamily="2" charset="0"/>
-                <a:cs typeface="Open Sans" pitchFamily="2" charset="0"/>
-              </a:rPr>
-              <a:t>n open-source system for automating </a:t>
-            </a:r>
-            <a:r>
-              <a:rPr lang="en-US" b="1" dirty="0">
-                <a:solidFill>
-                  <a:srgbClr val="5B636F"/>
-                </a:solidFill>
-                <a:latin typeface="Open Sans" pitchFamily="2" charset="0"/>
-                <a:ea typeface="Open Sans" pitchFamily="2" charset="0"/>
-                <a:cs typeface="Open Sans" pitchFamily="2" charset="0"/>
-              </a:rPr>
-              <a:t>deployment</a:t>
-            </a:r>
-            <a:r>
-              <a:rPr lang="en-US" dirty="0">
-                <a:solidFill>
-                  <a:srgbClr val="5B636F"/>
-                </a:solidFill>
-                <a:latin typeface="Open Sans" pitchFamily="2" charset="0"/>
-                <a:ea typeface="Open Sans" pitchFamily="2" charset="0"/>
-                <a:cs typeface="Open Sans" pitchFamily="2" charset="0"/>
-              </a:rPr>
-              <a:t>, </a:t>
-            </a:r>
-            <a:r>
-              <a:rPr lang="en-US" b="1" dirty="0">
-                <a:solidFill>
-                  <a:srgbClr val="5B636F"/>
-                </a:solidFill>
-                <a:latin typeface="Open Sans" pitchFamily="2" charset="0"/>
-                <a:ea typeface="Open Sans" pitchFamily="2" charset="0"/>
-                <a:cs typeface="Open Sans" pitchFamily="2" charset="0"/>
-              </a:rPr>
-              <a:t>scaling</a:t>
-            </a:r>
-            <a:r>
-              <a:rPr lang="en-US" dirty="0">
-                <a:solidFill>
-                  <a:srgbClr val="5B636F"/>
-                </a:solidFill>
-                <a:latin typeface="Open Sans" pitchFamily="2" charset="0"/>
-                <a:ea typeface="Open Sans" pitchFamily="2" charset="0"/>
-                <a:cs typeface="Open Sans" pitchFamily="2" charset="0"/>
-              </a:rPr>
-              <a:t>, and management of </a:t>
-            </a:r>
-            <a:r>
-              <a:rPr lang="en-US" b="1" dirty="0">
-                <a:solidFill>
-                  <a:srgbClr val="5B636F"/>
-                </a:solidFill>
-                <a:latin typeface="Open Sans" pitchFamily="2" charset="0"/>
-                <a:ea typeface="Open Sans" pitchFamily="2" charset="0"/>
-                <a:cs typeface="Open Sans" pitchFamily="2" charset="0"/>
-              </a:rPr>
-              <a:t>containerized </a:t>
-            </a:r>
-            <a:r>
-              <a:rPr lang="en-US" dirty="0">
-                <a:solidFill>
-                  <a:srgbClr val="5B636F"/>
-                </a:solidFill>
-                <a:latin typeface="Open Sans" pitchFamily="2" charset="0"/>
-                <a:ea typeface="Open Sans" pitchFamily="2" charset="0"/>
-                <a:cs typeface="Open Sans" pitchFamily="2" charset="0"/>
-              </a:rPr>
-              <a:t>applications</a:t>
-            </a:r>
-            <a:r>
-              <a:rPr lang="tr-TR" dirty="0">
-                <a:solidFill>
-                  <a:srgbClr val="5B636F"/>
-                </a:solidFill>
-                <a:latin typeface="Open Sans" pitchFamily="2" charset="0"/>
-                <a:ea typeface="Open Sans" pitchFamily="2" charset="0"/>
-                <a:cs typeface="Open Sans" pitchFamily="2" charset="0"/>
-              </a:rPr>
-              <a:t>.</a:t>
-            </a:r>
-            <a:endParaRPr lang="en-US" dirty="0">
-              <a:solidFill>
-                <a:srgbClr val="5B636F"/>
-              </a:solidFill>
-              <a:latin typeface="Open Sans" pitchFamily="2" charset="0"/>
-              <a:ea typeface="Open Sans" pitchFamily="2" charset="0"/>
-              <a:cs typeface="Open Sans" pitchFamily="2" charset="0"/>
-            </a:endParaRPr>
-          </a:p>
-        </p:txBody>
-      </p:sp>
-      <p:pic>
-        <p:nvPicPr>
-          <p:cNvPr id="12" name="Picture 11">
-            <a:extLst>
-              <a:ext uri="{FF2B5EF4-FFF2-40B4-BE49-F238E27FC236}">
-                <a16:creationId xmlns:a16="http://schemas.microsoft.com/office/drawing/2014/main" id="{885DD57A-9A7D-D117-78CF-D7C24EA2DB24}"/>
-              </a:ext>
-            </a:extLst>
-          </p:cNvPr>
-          <p:cNvPicPr>
-            <a:picLocks noChangeAspect="1"/>
-          </p:cNvPicPr>
-          <p:nvPr/>
-        </p:nvPicPr>
-        <p:blipFill>
-          <a:blip r:embed="rId4"/>
-          <a:stretch>
-            <a:fillRect/>
-          </a:stretch>
-        </p:blipFill>
-        <p:spPr>
-          <a:xfrm>
-            <a:off x="611844" y="2320223"/>
-            <a:ext cx="7688094" cy="3581527"/>
-          </a:xfrm>
-          <a:prstGeom prst="rect">
-            <a:avLst/>
-          </a:prstGeom>
-        </p:spPr>
-      </p:pic>
-    </p:spTree>
-    <p:extLst>
-      <p:ext uri="{BB962C8B-B14F-4D97-AF65-F5344CB8AC3E}">
-        <p14:creationId xmlns:p14="http://schemas.microsoft.com/office/powerpoint/2010/main" val="824059612"/>
-      </p:ext>
-    </p:extLst>
-  </p:cSld>
-  <p:clrMapOvr>
-    <a:masterClrMapping/>
-  </p:clrMapOvr>
-</p:sld>
-</file>
-
 <file path=ppt/slides/slide9.xml><?xml version="1.0" encoding="utf-8"?>
 <p:sld xmlns:a="http://schemas.openxmlformats.org/drawingml/2006/main" xmlns:r="http://schemas.openxmlformats.org/officeDocument/2006/relationships" xmlns:p="http://schemas.openxmlformats.org/presentationml/2006/main">
   <p:cSld>
@@ -20748,7 +21339,7 @@
         <p:spPr>
           <a:xfrm>
             <a:off x="323850" y="361950"/>
-            <a:ext cx="6720109" cy="584775"/>
+            <a:ext cx="4908716" cy="584775"/>
           </a:xfrm>
           <a:prstGeom prst="rect">
             <a:avLst/>
@@ -20770,7 +21361,7 @@
                 <a:ea typeface="Open Sans" pitchFamily="2" charset="0"/>
                 <a:cs typeface="Open Sans" pitchFamily="2" charset="0"/>
               </a:rPr>
-              <a:t>Kubernetes: How can it help us?</a:t>
+              <a:t>Kubernetes: What is it?</a:t>
             </a:r>
           </a:p>
         </p:txBody>
@@ -20881,7 +21472,7 @@
           <a:lstStyle/>
           <a:p>
             <a:r>
-              <a:rPr lang="tr-TR" sz="3200" dirty="0">
+              <a:rPr lang="tr-TR" dirty="0">
                 <a:solidFill>
                   <a:srgbClr val="5B636F"/>
                 </a:solidFill>
@@ -20889,10 +21480,10 @@
                 <a:ea typeface="Open Sans" pitchFamily="2" charset="0"/>
                 <a:cs typeface="Open Sans" pitchFamily="2" charset="0"/>
               </a:rPr>
-              <a:t>Run </a:t>
-            </a:r>
-            <a:r>
-              <a:rPr lang="tr-TR" sz="3200" b="1" dirty="0">
+              <a:t>A</a:t>
+            </a:r>
+            <a:r>
+              <a:rPr lang="en-US" dirty="0">
                 <a:solidFill>
                   <a:srgbClr val="5B636F"/>
                 </a:solidFill>
@@ -20900,10 +21491,10 @@
                 <a:ea typeface="Open Sans" pitchFamily="2" charset="0"/>
                 <a:cs typeface="Open Sans" pitchFamily="2" charset="0"/>
               </a:rPr>
-              <a:t>the solution </a:t>
-            </a:r>
-            <a:r>
-              <a:rPr lang="tr-TR" sz="3200" dirty="0">
+              <a:t>n open-source system for automating </a:t>
+            </a:r>
+            <a:r>
+              <a:rPr lang="en-US" b="1" dirty="0">
                 <a:solidFill>
                   <a:srgbClr val="5B636F"/>
                 </a:solidFill>
@@ -20911,10 +21502,10 @@
                 <a:ea typeface="Open Sans" pitchFamily="2" charset="0"/>
                 <a:cs typeface="Open Sans" pitchFamily="2" charset="0"/>
               </a:rPr>
-              <a:t>in a </a:t>
-            </a:r>
-            <a:r>
-              <a:rPr lang="tr-TR" sz="3200" b="1" dirty="0">
+              <a:t>deployment</a:t>
+            </a:r>
+            <a:r>
+              <a:rPr lang="en-US" dirty="0">
                 <a:solidFill>
                   <a:srgbClr val="5B636F"/>
                 </a:solidFill>
@@ -20922,10 +21513,10 @@
                 <a:ea typeface="Open Sans" pitchFamily="2" charset="0"/>
                 <a:cs typeface="Open Sans" pitchFamily="2" charset="0"/>
               </a:rPr>
-              <a:t>Kubernetes </a:t>
-            </a:r>
-            <a:r>
-              <a:rPr lang="tr-TR" sz="3200" dirty="0">
+              <a:t>, </a:t>
+            </a:r>
+            <a:r>
+              <a:rPr lang="en-US" b="1" dirty="0">
                 <a:solidFill>
                   <a:srgbClr val="5B636F"/>
                 </a:solidFill>
@@ -20933,10 +21524,10 @@
                 <a:ea typeface="Open Sans" pitchFamily="2" charset="0"/>
                 <a:cs typeface="Open Sans" pitchFamily="2" charset="0"/>
               </a:rPr>
-              <a:t>cluster</a:t>
-            </a:r>
-            <a:br>
-              <a:rPr lang="tr-TR" sz="3200" dirty="0">
+              <a:t>scaling</a:t>
+            </a:r>
+            <a:r>
+              <a:rPr lang="en-US" dirty="0">
                 <a:solidFill>
                   <a:srgbClr val="5B636F"/>
                 </a:solidFill>
@@ -20944,9 +21535,10 @@
                 <a:ea typeface="Open Sans" pitchFamily="2" charset="0"/>
                 <a:cs typeface="Open Sans" pitchFamily="2" charset="0"/>
               </a:rPr>
-            </a:br>
-            <a:r>
-              <a:rPr lang="tr-TR" sz="3200" i="1" dirty="0">
+              <a:t>, and management of </a:t>
+            </a:r>
+            <a:r>
+              <a:rPr lang="en-US" b="1" dirty="0">
                 <a:solidFill>
                   <a:srgbClr val="5B636F"/>
                 </a:solidFill>
@@ -20954,12 +21546,10 @@
                 <a:ea typeface="Open Sans" pitchFamily="2" charset="0"/>
                 <a:cs typeface="Open Sans" pitchFamily="2" charset="0"/>
               </a:rPr>
-              <a:t>(all applications, services, gateways, infrastructure)</a:t>
-            </a:r>
-          </a:p>
-          <a:p>
-            <a:r>
-              <a:rPr lang="tr-TR" sz="3200" dirty="0">
+              <a:t>containerized </a:t>
+            </a:r>
+            <a:r>
+              <a:rPr lang="en-US" dirty="0">
                 <a:solidFill>
                   <a:srgbClr val="5B636F"/>
                 </a:solidFill>
@@ -20967,10 +21557,10 @@
                 <a:ea typeface="Open Sans" pitchFamily="2" charset="0"/>
                 <a:cs typeface="Open Sans" pitchFamily="2" charset="0"/>
               </a:rPr>
-              <a:t>Run the </a:t>
-            </a:r>
-            <a:r>
-              <a:rPr lang="tr-TR" sz="3200" b="1" i="1" dirty="0">
+              <a:t>applications</a:t>
+            </a:r>
+            <a:r>
+              <a:rPr lang="tr-TR" dirty="0">
                 <a:solidFill>
                   <a:srgbClr val="5B636F"/>
                 </a:solidFill>
@@ -20978,71 +21568,9 @@
                 <a:ea typeface="Open Sans" pitchFamily="2" charset="0"/>
                 <a:cs typeface="Open Sans" pitchFamily="2" charset="0"/>
               </a:rPr>
-              <a:t>Product Service</a:t>
-            </a:r>
-            <a:r>
-              <a:rPr lang="tr-TR" sz="3200" b="1" dirty="0">
-                <a:solidFill>
-                  <a:srgbClr val="5B636F"/>
-                </a:solidFill>
-                <a:latin typeface="Open Sans" pitchFamily="2" charset="0"/>
-                <a:ea typeface="Open Sans" pitchFamily="2" charset="0"/>
-                <a:cs typeface="Open Sans" pitchFamily="2" charset="0"/>
-              </a:rPr>
-              <a:t> </a:t>
-            </a:r>
-            <a:r>
-              <a:rPr lang="tr-TR" sz="3200" dirty="0">
-                <a:solidFill>
-                  <a:srgbClr val="5B636F"/>
-                </a:solidFill>
-                <a:latin typeface="Open Sans" pitchFamily="2" charset="0"/>
-                <a:ea typeface="Open Sans" pitchFamily="2" charset="0"/>
-                <a:cs typeface="Open Sans" pitchFamily="2" charset="0"/>
-              </a:rPr>
-              <a:t>in your </a:t>
-            </a:r>
-            <a:r>
-              <a:rPr lang="tr-TR" sz="3200" b="1" dirty="0">
-                <a:solidFill>
-                  <a:srgbClr val="5B636F"/>
-                </a:solidFill>
-                <a:latin typeface="Open Sans" pitchFamily="2" charset="0"/>
-                <a:ea typeface="Open Sans" pitchFamily="2" charset="0"/>
-                <a:cs typeface="Open Sans" pitchFamily="2" charset="0"/>
-              </a:rPr>
-              <a:t>local computer</a:t>
-            </a:r>
-            <a:r>
-              <a:rPr lang="tr-TR" sz="3200" dirty="0">
-                <a:solidFill>
-                  <a:srgbClr val="5B636F"/>
-                </a:solidFill>
-                <a:latin typeface="Open Sans" pitchFamily="2" charset="0"/>
-                <a:ea typeface="Open Sans" pitchFamily="2" charset="0"/>
-                <a:cs typeface="Open Sans" pitchFamily="2" charset="0"/>
-              </a:rPr>
-              <a:t>, in your favorute IDE</a:t>
-            </a:r>
-          </a:p>
-          <a:p>
-            <a:r>
-              <a:rPr lang="tr-TR" sz="3200" b="1" dirty="0">
-                <a:solidFill>
-                  <a:srgbClr val="5B636F"/>
-                </a:solidFill>
-                <a:latin typeface="Open Sans" pitchFamily="2" charset="0"/>
-                <a:ea typeface="Open Sans" pitchFamily="2" charset="0"/>
-                <a:cs typeface="Open Sans" pitchFamily="2" charset="0"/>
-              </a:rPr>
-              <a:t>Connect two environments together!</a:t>
-            </a:r>
-          </a:p>
-          <a:p>
-            <a:pPr marL="0" indent="0">
-              <a:buNone/>
-            </a:pPr>
-            <a:endParaRPr lang="tr-TR" sz="3200" b="1" dirty="0">
+              <a:t>.</a:t>
+            </a:r>
+            <a:endParaRPr lang="en-US" dirty="0">
               <a:solidFill>
                 <a:srgbClr val="5B636F"/>
               </a:solidFill>
@@ -21051,316 +21579,48 @@
               <a:cs typeface="Open Sans" pitchFamily="2" charset="0"/>
             </a:endParaRPr>
           </a:p>
-          <a:p>
-            <a:pPr marL="0" indent="0" algn="ctr">
-              <a:buNone/>
-            </a:pPr>
-            <a:r>
-              <a:rPr lang="tr-TR" sz="6600" b="1" dirty="0">
-                <a:solidFill>
-                  <a:srgbClr val="5B636F"/>
-                </a:solidFill>
-                <a:latin typeface="Open Sans" pitchFamily="2" charset="0"/>
-                <a:ea typeface="Open Sans" pitchFamily="2" charset="0"/>
-                <a:cs typeface="Open Sans" pitchFamily="2" charset="0"/>
-              </a:rPr>
-              <a:t>HOW..?</a:t>
-            </a:r>
-            <a:endParaRPr lang="en-US" sz="6600" b="1" dirty="0">
-              <a:solidFill>
-                <a:srgbClr val="5B636F"/>
-              </a:solidFill>
-              <a:latin typeface="Open Sans" pitchFamily="2" charset="0"/>
-              <a:ea typeface="Open Sans" pitchFamily="2" charset="0"/>
-              <a:cs typeface="Open Sans" pitchFamily="2" charset="0"/>
-            </a:endParaRPr>
-          </a:p>
         </p:txBody>
       </p:sp>
+      <p:pic>
+        <p:nvPicPr>
+          <p:cNvPr id="12" name="Picture 11">
+            <a:extLst>
+              <a:ext uri="{FF2B5EF4-FFF2-40B4-BE49-F238E27FC236}">
+                <a16:creationId xmlns:a16="http://schemas.microsoft.com/office/drawing/2014/main" id="{885DD57A-9A7D-D117-78CF-D7C24EA2DB24}"/>
+              </a:ext>
+            </a:extLst>
+          </p:cNvPr>
+          <p:cNvPicPr>
+            <a:picLocks noChangeAspect="1"/>
+          </p:cNvPicPr>
+          <p:nvPr/>
+        </p:nvPicPr>
+        <p:blipFill>
+          <a:blip r:embed="rId4"/>
+          <a:stretch>
+            <a:fillRect/>
+          </a:stretch>
+        </p:blipFill>
+        <p:spPr>
+          <a:xfrm>
+            <a:off x="611844" y="2320223"/>
+            <a:ext cx="7688094" cy="3581527"/>
+          </a:xfrm>
+          <a:prstGeom prst="rect">
+            <a:avLst/>
+          </a:prstGeom>
+        </p:spPr>
+      </p:pic>
     </p:spTree>
     <p:extLst>
       <p:ext uri="{BB962C8B-B14F-4D97-AF65-F5344CB8AC3E}">
-        <p14:creationId xmlns:p14="http://schemas.microsoft.com/office/powerpoint/2010/main" val="1297649909"/>
+        <p14:creationId xmlns:p14="http://schemas.microsoft.com/office/powerpoint/2010/main" val="824059612"/>
       </p:ext>
     </p:extLst>
   </p:cSld>
   <p:clrMapOvr>
     <a:masterClrMapping/>
   </p:clrMapOvr>
-  <p:timing>
-    <p:tnLst>
-      <p:par>
-        <p:cTn id="1" dur="indefinite" restart="never" nodeType="tmRoot">
-          <p:childTnLst>
-            <p:seq concurrent="1" nextAc="seek">
-              <p:cTn id="2" dur="indefinite" nodeType="mainSeq">
-                <p:childTnLst>
-                  <p:par>
-                    <p:cTn id="3" fill="hold">
-                      <p:stCondLst>
-                        <p:cond delay="indefinite"/>
-                      </p:stCondLst>
-                      <p:childTnLst>
-                        <p:par>
-                          <p:cTn id="4" fill="hold">
-                            <p:stCondLst>
-                              <p:cond delay="0"/>
-                            </p:stCondLst>
-                            <p:childTnLst>
-                              <p:par>
-                                <p:cTn id="5" presetID="10" presetClass="entr" presetSubtype="0" fill="hold" nodeType="clickEffect">
-                                  <p:stCondLst>
-                                    <p:cond delay="0"/>
-                                  </p:stCondLst>
-                                  <p:childTnLst>
-                                    <p:set>
-                                      <p:cBhvr>
-                                        <p:cTn id="6" dur="1" fill="hold">
-                                          <p:stCondLst>
-                                            <p:cond delay="0"/>
-                                          </p:stCondLst>
-                                        </p:cTn>
-                                        <p:tgtEl>
-                                          <p:spTgt spid="2">
-                                            <p:txEl>
-                                              <p:pRg st="0" end="0"/>
-                                            </p:txEl>
-                                          </p:spTgt>
-                                        </p:tgtEl>
-                                        <p:attrNameLst>
-                                          <p:attrName>style.visibility</p:attrName>
-                                        </p:attrNameLst>
-                                      </p:cBhvr>
-                                      <p:to>
-                                        <p:strVal val="visible"/>
-                                      </p:to>
-                                    </p:set>
-                                    <p:animEffect transition="in" filter="fade">
-                                      <p:cBhvr>
-                                        <p:cTn id="7" dur="500"/>
-                                        <p:tgtEl>
-                                          <p:spTgt spid="2">
-                                            <p:txEl>
-                                              <p:pRg st="0" end="0"/>
-                                            </p:txEl>
-                                          </p:spTgt>
-                                        </p:tgtEl>
-                                      </p:cBhvr>
-                                    </p:animEffect>
-                                  </p:childTnLst>
-                                </p:cTn>
-                              </p:par>
-                            </p:childTnLst>
-                          </p:cTn>
-                        </p:par>
-                      </p:childTnLst>
-                    </p:cTn>
-                  </p:par>
-                  <p:par>
-                    <p:cTn id="8" fill="hold">
-                      <p:stCondLst>
-                        <p:cond delay="indefinite"/>
-                      </p:stCondLst>
-                      <p:childTnLst>
-                        <p:par>
-                          <p:cTn id="9" fill="hold">
-                            <p:stCondLst>
-                              <p:cond delay="0"/>
-                            </p:stCondLst>
-                            <p:childTnLst>
-                              <p:par>
-                                <p:cTn id="10" presetID="10" presetClass="entr" presetSubtype="0" fill="hold" nodeType="clickEffect">
-                                  <p:stCondLst>
-                                    <p:cond delay="0"/>
-                                  </p:stCondLst>
-                                  <p:childTnLst>
-                                    <p:set>
-                                      <p:cBhvr>
-                                        <p:cTn id="11" dur="1" fill="hold">
-                                          <p:stCondLst>
-                                            <p:cond delay="0"/>
-                                          </p:stCondLst>
-                                        </p:cTn>
-                                        <p:tgtEl>
-                                          <p:spTgt spid="2">
-                                            <p:txEl>
-                                              <p:pRg st="1" end="1"/>
-                                            </p:txEl>
-                                          </p:spTgt>
-                                        </p:tgtEl>
-                                        <p:attrNameLst>
-                                          <p:attrName>style.visibility</p:attrName>
-                                        </p:attrNameLst>
-                                      </p:cBhvr>
-                                      <p:to>
-                                        <p:strVal val="visible"/>
-                                      </p:to>
-                                    </p:set>
-                                    <p:animEffect transition="in" filter="fade">
-                                      <p:cBhvr>
-                                        <p:cTn id="12" dur="500"/>
-                                        <p:tgtEl>
-                                          <p:spTgt spid="2">
-                                            <p:txEl>
-                                              <p:pRg st="1" end="1"/>
-                                            </p:txEl>
-                                          </p:spTgt>
-                                        </p:tgtEl>
-                                      </p:cBhvr>
-                                    </p:animEffect>
-                                  </p:childTnLst>
-                                </p:cTn>
-                              </p:par>
-                            </p:childTnLst>
-                          </p:cTn>
-                        </p:par>
-                      </p:childTnLst>
-                    </p:cTn>
-                  </p:par>
-                  <p:par>
-                    <p:cTn id="13" fill="hold">
-                      <p:stCondLst>
-                        <p:cond delay="indefinite"/>
-                      </p:stCondLst>
-                      <p:childTnLst>
-                        <p:par>
-                          <p:cTn id="14" fill="hold">
-                            <p:stCondLst>
-                              <p:cond delay="0"/>
-                            </p:stCondLst>
-                            <p:childTnLst>
-                              <p:par>
-                                <p:cTn id="15" presetID="10" presetClass="entr" presetSubtype="0" fill="hold" nodeType="clickEffect">
-                                  <p:stCondLst>
-                                    <p:cond delay="0"/>
-                                  </p:stCondLst>
-                                  <p:childTnLst>
-                                    <p:set>
-                                      <p:cBhvr>
-                                        <p:cTn id="16" dur="1" fill="hold">
-                                          <p:stCondLst>
-                                            <p:cond delay="0"/>
-                                          </p:stCondLst>
-                                        </p:cTn>
-                                        <p:tgtEl>
-                                          <p:spTgt spid="2">
-                                            <p:txEl>
-                                              <p:pRg st="2" end="2"/>
-                                            </p:txEl>
-                                          </p:spTgt>
-                                        </p:tgtEl>
-                                        <p:attrNameLst>
-                                          <p:attrName>style.visibility</p:attrName>
-                                        </p:attrNameLst>
-                                      </p:cBhvr>
-                                      <p:to>
-                                        <p:strVal val="visible"/>
-                                      </p:to>
-                                    </p:set>
-                                    <p:animEffect transition="in" filter="fade">
-                                      <p:cBhvr>
-                                        <p:cTn id="17" dur="500"/>
-                                        <p:tgtEl>
-                                          <p:spTgt spid="2">
-                                            <p:txEl>
-                                              <p:pRg st="2" end="2"/>
-                                            </p:txEl>
-                                          </p:spTgt>
-                                        </p:tgtEl>
-                                      </p:cBhvr>
-                                    </p:animEffect>
-                                  </p:childTnLst>
-                                </p:cTn>
-                              </p:par>
-                            </p:childTnLst>
-                          </p:cTn>
-                        </p:par>
-                      </p:childTnLst>
-                    </p:cTn>
-                  </p:par>
-                  <p:par>
-                    <p:cTn id="18" fill="hold">
-                      <p:stCondLst>
-                        <p:cond delay="indefinite"/>
-                      </p:stCondLst>
-                      <p:childTnLst>
-                        <p:par>
-                          <p:cTn id="19" fill="hold">
-                            <p:stCondLst>
-                              <p:cond delay="0"/>
-                            </p:stCondLst>
-                            <p:childTnLst>
-                              <p:par>
-                                <p:cTn id="20" presetID="10" presetClass="entr" presetSubtype="0" fill="hold" nodeType="clickEffect">
-                                  <p:stCondLst>
-                                    <p:cond delay="0"/>
-                                  </p:stCondLst>
-                                  <p:childTnLst>
-                                    <p:set>
-                                      <p:cBhvr>
-                                        <p:cTn id="21" dur="1" fill="hold">
-                                          <p:stCondLst>
-                                            <p:cond delay="0"/>
-                                          </p:stCondLst>
-                                        </p:cTn>
-                                        <p:tgtEl>
-                                          <p:spTgt spid="2">
-                                            <p:txEl>
-                                              <p:pRg st="4" end="4"/>
-                                            </p:txEl>
-                                          </p:spTgt>
-                                        </p:tgtEl>
-                                        <p:attrNameLst>
-                                          <p:attrName>style.visibility</p:attrName>
-                                        </p:attrNameLst>
-                                      </p:cBhvr>
-                                      <p:to>
-                                        <p:strVal val="visible"/>
-                                      </p:to>
-                                    </p:set>
-                                    <p:animEffect transition="in" filter="fade">
-                                      <p:cBhvr>
-                                        <p:cTn id="22" dur="500"/>
-                                        <p:tgtEl>
-                                          <p:spTgt spid="2">
-                                            <p:txEl>
-                                              <p:pRg st="4" end="4"/>
-                                            </p:txEl>
-                                          </p:spTgt>
-                                        </p:tgtEl>
-                                      </p:cBhvr>
-                                    </p:animEffect>
-                                  </p:childTnLst>
-                                </p:cTn>
-                              </p:par>
-                            </p:childTnLst>
-                          </p:cTn>
-                        </p:par>
-                      </p:childTnLst>
-                    </p:cTn>
-                  </p:par>
-                </p:childTnLst>
-              </p:cTn>
-              <p:prevCondLst>
-                <p:cond evt="onPrev" delay="0">
-                  <p:tgtEl>
-                    <p:sldTgt/>
-                  </p:tgtEl>
-                </p:cond>
-              </p:prevCondLst>
-              <p:nextCondLst>
-                <p:cond evt="onNext" delay="0">
-                  <p:tgtEl>
-                    <p:sldTgt/>
-                  </p:tgtEl>
-                </p:cond>
-              </p:nextCondLst>
-            </p:seq>
-          </p:childTnLst>
-        </p:cTn>
-      </p:par>
-    </p:tnLst>
-  </p:timing>
 </p:sld>
 </file>
 

--- a/2023-10-07 Devnot Kubernetes Integrated Development/KubernetesIntegratedDevelopment2023.pptx
+++ b/2023-10-07 Devnot Kubernetes Integrated Development/KubernetesIntegratedDevelopment2023.pptx
@@ -16,10 +16,11 @@
     <p:sldId id="271" r:id="rId10"/>
     <p:sldId id="263" r:id="rId11"/>
     <p:sldId id="272" r:id="rId12"/>
-    <p:sldId id="264" r:id="rId13"/>
-    <p:sldId id="265" r:id="rId14"/>
-    <p:sldId id="266" r:id="rId15"/>
-    <p:sldId id="273" r:id="rId16"/>
+    <p:sldId id="273" r:id="rId13"/>
+    <p:sldId id="264" r:id="rId14"/>
+    <p:sldId id="265" r:id="rId15"/>
+    <p:sldId id="266" r:id="rId16"/>
+    <p:sldId id="274" r:id="rId17"/>
   </p:sldIdLst>
   <p:sldSz cx="12192000" cy="6858000"/>
   <p:notesSz cx="6858000" cy="9144000"/>
@@ -281,7 +282,7 @@
           <a:p>
             <a:fld id="{62164A38-496E-4635-AD4D-E4F60A7AA5BC}" type="datetimeFigureOut">
               <a:rPr lang="tr-TR" smtClean="0"/>
-              <a:t>26.09.2023</a:t>
+              <a:t>1.10.2023</a:t>
             </a:fld>
             <a:endParaRPr lang="tr-TR"/>
           </a:p>
@@ -479,7 +480,7 @@
           <a:p>
             <a:fld id="{62164A38-496E-4635-AD4D-E4F60A7AA5BC}" type="datetimeFigureOut">
               <a:rPr lang="tr-TR" smtClean="0"/>
-              <a:t>26.09.2023</a:t>
+              <a:t>1.10.2023</a:t>
             </a:fld>
             <a:endParaRPr lang="tr-TR"/>
           </a:p>
@@ -687,7 +688,7 @@
           <a:p>
             <a:fld id="{62164A38-496E-4635-AD4D-E4F60A7AA5BC}" type="datetimeFigureOut">
               <a:rPr lang="tr-TR" smtClean="0"/>
-              <a:t>26.09.2023</a:t>
+              <a:t>1.10.2023</a:t>
             </a:fld>
             <a:endParaRPr lang="tr-TR"/>
           </a:p>
@@ -885,7 +886,7 @@
           <a:p>
             <a:fld id="{62164A38-496E-4635-AD4D-E4F60A7AA5BC}" type="datetimeFigureOut">
               <a:rPr lang="tr-TR" smtClean="0"/>
-              <a:t>26.09.2023</a:t>
+              <a:t>1.10.2023</a:t>
             </a:fld>
             <a:endParaRPr lang="tr-TR"/>
           </a:p>
@@ -1160,7 +1161,7 @@
           <a:p>
             <a:fld id="{62164A38-496E-4635-AD4D-E4F60A7AA5BC}" type="datetimeFigureOut">
               <a:rPr lang="tr-TR" smtClean="0"/>
-              <a:t>26.09.2023</a:t>
+              <a:t>1.10.2023</a:t>
             </a:fld>
             <a:endParaRPr lang="tr-TR"/>
           </a:p>
@@ -1425,7 +1426,7 @@
           <a:p>
             <a:fld id="{62164A38-496E-4635-AD4D-E4F60A7AA5BC}" type="datetimeFigureOut">
               <a:rPr lang="tr-TR" smtClean="0"/>
-              <a:t>26.09.2023</a:t>
+              <a:t>1.10.2023</a:t>
             </a:fld>
             <a:endParaRPr lang="tr-TR"/>
           </a:p>
@@ -1837,7 +1838,7 @@
           <a:p>
             <a:fld id="{62164A38-496E-4635-AD4D-E4F60A7AA5BC}" type="datetimeFigureOut">
               <a:rPr lang="tr-TR" smtClean="0"/>
-              <a:t>26.09.2023</a:t>
+              <a:t>1.10.2023</a:t>
             </a:fld>
             <a:endParaRPr lang="tr-TR"/>
           </a:p>
@@ -1978,7 +1979,7 @@
           <a:p>
             <a:fld id="{62164A38-496E-4635-AD4D-E4F60A7AA5BC}" type="datetimeFigureOut">
               <a:rPr lang="tr-TR" smtClean="0"/>
-              <a:t>26.09.2023</a:t>
+              <a:t>1.10.2023</a:t>
             </a:fld>
             <a:endParaRPr lang="tr-TR"/>
           </a:p>
@@ -2091,7 +2092,7 @@
           <a:p>
             <a:fld id="{62164A38-496E-4635-AD4D-E4F60A7AA5BC}" type="datetimeFigureOut">
               <a:rPr lang="tr-TR" smtClean="0"/>
-              <a:t>26.09.2023</a:t>
+              <a:t>1.10.2023</a:t>
             </a:fld>
             <a:endParaRPr lang="tr-TR"/>
           </a:p>
@@ -2402,7 +2403,7 @@
           <a:p>
             <a:fld id="{62164A38-496E-4635-AD4D-E4F60A7AA5BC}" type="datetimeFigureOut">
               <a:rPr lang="tr-TR" smtClean="0"/>
-              <a:t>26.09.2023</a:t>
+              <a:t>1.10.2023</a:t>
             </a:fld>
             <a:endParaRPr lang="tr-TR"/>
           </a:p>
@@ -2690,7 +2691,7 @@
           <a:p>
             <a:fld id="{62164A38-496E-4635-AD4D-E4F60A7AA5BC}" type="datetimeFigureOut">
               <a:rPr lang="tr-TR" smtClean="0"/>
-              <a:t>26.09.2023</a:t>
+              <a:t>1.10.2023</a:t>
             </a:fld>
             <a:endParaRPr lang="tr-TR"/>
           </a:p>
@@ -2931,7 +2932,7 @@
           <a:p>
             <a:fld id="{62164A38-496E-4635-AD4D-E4F60A7AA5BC}" type="datetimeFigureOut">
               <a:rPr lang="tr-TR" smtClean="0"/>
-              <a:t>26.09.2023</a:t>
+              <a:t>1.10.2023</a:t>
             </a:fld>
             <a:endParaRPr lang="tr-TR"/>
           </a:p>
@@ -6063,6 +6064,711 @@
         <p:spPr>
           <a:xfrm>
             <a:off x="323850" y="361950"/>
+            <a:ext cx="5982728" cy="584775"/>
+          </a:xfrm>
+          <a:prstGeom prst="rect">
+            <a:avLst/>
+          </a:prstGeom>
+          <a:noFill/>
+        </p:spPr>
+        <p:txBody>
+          <a:bodyPr wrap="none" rtlCol="0">
+            <a:spAutoFit/>
+          </a:bodyPr>
+          <a:lstStyle/>
+          <a:p>
+            <a:r>
+              <a:rPr lang="tr-TR" sz="3200" b="1" dirty="0">
+                <a:solidFill>
+                  <a:srgbClr val="1C2313"/>
+                </a:solidFill>
+                <a:latin typeface="Open Sans" pitchFamily="2" charset="0"/>
+                <a:ea typeface="Open Sans" pitchFamily="2" charset="0"/>
+                <a:cs typeface="Open Sans" pitchFamily="2" charset="0"/>
+              </a:rPr>
+              <a:t>Existing solutions / products</a:t>
+            </a:r>
+          </a:p>
+        </p:txBody>
+      </p:sp>
+      <p:pic>
+        <p:nvPicPr>
+          <p:cNvPr id="3" name="Resim 2">
+            <a:extLst>
+              <a:ext uri="{FF2B5EF4-FFF2-40B4-BE49-F238E27FC236}">
+                <a16:creationId xmlns:a16="http://schemas.microsoft.com/office/drawing/2014/main" id="{664B8681-D97F-DAF6-0838-E551958C5F00}"/>
+              </a:ext>
+            </a:extLst>
+          </p:cNvPr>
+          <p:cNvPicPr>
+            <a:picLocks noChangeAspect="1"/>
+          </p:cNvPicPr>
+          <p:nvPr/>
+        </p:nvPicPr>
+        <p:blipFill>
+          <a:blip r:embed="rId3">
+            <a:extLst>
+              <a:ext uri="{28A0092B-C50C-407E-A947-70E740481C1C}">
+                <a14:useLocalDpi xmlns:a14="http://schemas.microsoft.com/office/drawing/2010/main" val="0"/>
+              </a:ext>
+            </a:extLst>
+          </a:blip>
+          <a:srcRect/>
+          <a:stretch/>
+        </p:blipFill>
+        <p:spPr>
+          <a:xfrm>
+            <a:off x="423589" y="6110014"/>
+            <a:ext cx="376511" cy="376511"/>
+          </a:xfrm>
+          <a:prstGeom prst="rect">
+            <a:avLst/>
+          </a:prstGeom>
+        </p:spPr>
+      </p:pic>
+      <p:sp>
+        <p:nvSpPr>
+          <p:cNvPr id="10" name="Metin kutusu 9">
+            <a:extLst>
+              <a:ext uri="{FF2B5EF4-FFF2-40B4-BE49-F238E27FC236}">
+                <a16:creationId xmlns:a16="http://schemas.microsoft.com/office/drawing/2014/main" id="{4BC5D443-8567-BBB4-6990-28A2393702EB}"/>
+              </a:ext>
+            </a:extLst>
+          </p:cNvPr>
+          <p:cNvSpPr txBox="1"/>
+          <p:nvPr/>
+        </p:nvSpPr>
+        <p:spPr>
+          <a:xfrm>
+            <a:off x="847154" y="6112073"/>
+            <a:ext cx="2332690" cy="369332"/>
+          </a:xfrm>
+          <a:prstGeom prst="rect">
+            <a:avLst/>
+          </a:prstGeom>
+          <a:noFill/>
+        </p:spPr>
+        <p:txBody>
+          <a:bodyPr wrap="none" rtlCol="0" anchor="t">
+            <a:spAutoFit/>
+          </a:bodyPr>
+          <a:lstStyle/>
+          <a:p>
+            <a:r>
+              <a:rPr lang="tr-TR" dirty="0">
+                <a:solidFill>
+                  <a:srgbClr val="1C2313"/>
+                </a:solidFill>
+                <a:latin typeface="Open Sans" pitchFamily="2" charset="0"/>
+                <a:ea typeface="Open Sans" pitchFamily="2" charset="0"/>
+                <a:cs typeface="Open Sans" pitchFamily="2" charset="0"/>
+              </a:rPr>
+              <a:t>Halil İbrahim Kalkan</a:t>
+            </a:r>
+          </a:p>
+        </p:txBody>
+      </p:sp>
+      <p:sp>
+        <p:nvSpPr>
+          <p:cNvPr id="2" name="Content Placeholder 2">
+            <a:extLst>
+              <a:ext uri="{FF2B5EF4-FFF2-40B4-BE49-F238E27FC236}">
+                <a16:creationId xmlns:a16="http://schemas.microsoft.com/office/drawing/2014/main" id="{4580A4FE-9B4C-44BA-F200-7E841BA70EA4}"/>
+              </a:ext>
+            </a:extLst>
+          </p:cNvPr>
+          <p:cNvSpPr>
+            <a:spLocks noGrp="1"/>
+          </p:cNvSpPr>
+          <p:nvPr>
+            <p:ph idx="1"/>
+          </p:nvPr>
+        </p:nvSpPr>
+        <p:spPr>
+          <a:xfrm>
+            <a:off x="323850" y="1226033"/>
+            <a:ext cx="11473139" cy="2268835"/>
+          </a:xfrm>
+        </p:spPr>
+        <p:txBody>
+          <a:bodyPr>
+            <a:normAutofit lnSpcReduction="10000"/>
+          </a:bodyPr>
+          <a:lstStyle/>
+          <a:p>
+            <a:r>
+              <a:rPr lang="tr-TR" dirty="0">
+                <a:solidFill>
+                  <a:srgbClr val="5B636F"/>
+                </a:solidFill>
+                <a:latin typeface="Open Sans" pitchFamily="2" charset="0"/>
+                <a:ea typeface="Open Sans" pitchFamily="2" charset="0"/>
+                <a:cs typeface="Open Sans" pitchFamily="2" charset="0"/>
+              </a:rPr>
+              <a:t>Visual Studio </a:t>
+            </a:r>
+            <a:r>
+              <a:rPr lang="tr-TR" b="1" dirty="0">
+                <a:solidFill>
+                  <a:srgbClr val="5B636F"/>
+                </a:solidFill>
+                <a:latin typeface="Open Sans" pitchFamily="2" charset="0"/>
+                <a:ea typeface="Open Sans" pitchFamily="2" charset="0"/>
+                <a:cs typeface="Open Sans" pitchFamily="2" charset="0"/>
+              </a:rPr>
+              <a:t>Bridge to Kubernetes</a:t>
+            </a:r>
+            <a:br>
+              <a:rPr lang="tr-TR" b="1" dirty="0">
+                <a:solidFill>
+                  <a:srgbClr val="5B636F"/>
+                </a:solidFill>
+                <a:latin typeface="Open Sans" pitchFamily="2" charset="0"/>
+                <a:ea typeface="Open Sans" pitchFamily="2" charset="0"/>
+                <a:cs typeface="Open Sans" pitchFamily="2" charset="0"/>
+              </a:rPr>
+            </a:br>
+            <a:r>
+              <a:rPr lang="tr-TR" dirty="0">
+                <a:solidFill>
+                  <a:srgbClr val="5B636F"/>
+                </a:solidFill>
+                <a:latin typeface="Open Sans" pitchFamily="2" charset="0"/>
+                <a:ea typeface="Open Sans" pitchFamily="2" charset="0"/>
+                <a:cs typeface="Open Sans" pitchFamily="2" charset="0"/>
+                <a:hlinkClick r:id="rId4"/>
+              </a:rPr>
+              <a:t>https://learn.microsoft.com/en-us/</a:t>
+            </a:r>
+            <a:r>
+              <a:rPr lang="tr-TR" b="1" dirty="0">
+                <a:solidFill>
+                  <a:srgbClr val="5B636F"/>
+                </a:solidFill>
+                <a:latin typeface="Open Sans" pitchFamily="2" charset="0"/>
+                <a:ea typeface="Open Sans" pitchFamily="2" charset="0"/>
+                <a:cs typeface="Open Sans" pitchFamily="2" charset="0"/>
+                <a:hlinkClick r:id="rId4"/>
+              </a:rPr>
+              <a:t>visualstudio/bridge</a:t>
+            </a:r>
+          </a:p>
+          <a:p>
+            <a:r>
+              <a:rPr lang="en-US" dirty="0">
+                <a:solidFill>
+                  <a:srgbClr val="5B636F"/>
+                </a:solidFill>
+                <a:latin typeface="Open Sans" pitchFamily="2" charset="0"/>
+                <a:ea typeface="Open Sans" pitchFamily="2" charset="0"/>
+                <a:cs typeface="Open Sans" pitchFamily="2" charset="0"/>
+                <a:hlinkClick r:id="rId4"/>
+              </a:rPr>
+              <a:t>https://</a:t>
+            </a:r>
+            <a:r>
+              <a:rPr lang="en-US" b="1" dirty="0">
+                <a:solidFill>
+                  <a:srgbClr val="5B636F"/>
+                </a:solidFill>
+                <a:latin typeface="Open Sans" pitchFamily="2" charset="0"/>
+                <a:ea typeface="Open Sans" pitchFamily="2" charset="0"/>
+                <a:cs typeface="Open Sans" pitchFamily="2" charset="0"/>
+                <a:hlinkClick r:id="rId4"/>
+              </a:rPr>
+              <a:t>telepresence</a:t>
+            </a:r>
+            <a:r>
+              <a:rPr lang="en-US" dirty="0">
+                <a:solidFill>
+                  <a:srgbClr val="5B636F"/>
+                </a:solidFill>
+                <a:latin typeface="Open Sans" pitchFamily="2" charset="0"/>
+                <a:ea typeface="Open Sans" pitchFamily="2" charset="0"/>
+                <a:cs typeface="Open Sans" pitchFamily="2" charset="0"/>
+                <a:hlinkClick r:id="rId4"/>
+              </a:rPr>
+              <a:t>.io</a:t>
+            </a:r>
+            <a:endParaRPr lang="tr-TR" dirty="0">
+              <a:solidFill>
+                <a:srgbClr val="5B636F"/>
+              </a:solidFill>
+              <a:latin typeface="Open Sans" pitchFamily="2" charset="0"/>
+              <a:ea typeface="Open Sans" pitchFamily="2" charset="0"/>
+              <a:cs typeface="Open Sans" pitchFamily="2" charset="0"/>
+            </a:endParaRPr>
+          </a:p>
+          <a:p>
+            <a:r>
+              <a:rPr lang="tr-TR" dirty="0">
+                <a:solidFill>
+                  <a:srgbClr val="5B636F"/>
+                </a:solidFill>
+                <a:latin typeface="Open Sans" pitchFamily="2" charset="0"/>
+                <a:ea typeface="Open Sans" pitchFamily="2" charset="0"/>
+                <a:cs typeface="Open Sans" pitchFamily="2" charset="0"/>
+                <a:hlinkClick r:id="rId5"/>
+              </a:rPr>
+              <a:t>https://</a:t>
+            </a:r>
+            <a:r>
+              <a:rPr lang="tr-TR" b="1" dirty="0">
+                <a:solidFill>
+                  <a:srgbClr val="5B636F"/>
+                </a:solidFill>
+                <a:latin typeface="Open Sans" pitchFamily="2" charset="0"/>
+                <a:ea typeface="Open Sans" pitchFamily="2" charset="0"/>
+                <a:cs typeface="Open Sans" pitchFamily="2" charset="0"/>
+                <a:hlinkClick r:id="rId5"/>
+              </a:rPr>
+              <a:t>garden</a:t>
+            </a:r>
+            <a:r>
+              <a:rPr lang="tr-TR" dirty="0">
+                <a:solidFill>
+                  <a:srgbClr val="5B636F"/>
+                </a:solidFill>
+                <a:latin typeface="Open Sans" pitchFamily="2" charset="0"/>
+                <a:ea typeface="Open Sans" pitchFamily="2" charset="0"/>
+                <a:cs typeface="Open Sans" pitchFamily="2" charset="0"/>
+                <a:hlinkClick r:id="rId5"/>
+              </a:rPr>
+              <a:t>.io</a:t>
+            </a:r>
+            <a:endParaRPr lang="tr-TR" dirty="0">
+              <a:solidFill>
+                <a:srgbClr val="5B636F"/>
+              </a:solidFill>
+              <a:latin typeface="Open Sans" pitchFamily="2" charset="0"/>
+              <a:ea typeface="Open Sans" pitchFamily="2" charset="0"/>
+              <a:cs typeface="Open Sans" pitchFamily="2" charset="0"/>
+            </a:endParaRPr>
+          </a:p>
+          <a:p>
+            <a:r>
+              <a:rPr lang="tr-TR" dirty="0">
+                <a:solidFill>
+                  <a:srgbClr val="5B636F"/>
+                </a:solidFill>
+                <a:latin typeface="Open Sans" pitchFamily="2" charset="0"/>
+                <a:ea typeface="Open Sans" pitchFamily="2" charset="0"/>
+                <a:cs typeface="Open Sans" pitchFamily="2" charset="0"/>
+                <a:hlinkClick r:id="rId6"/>
+              </a:rPr>
+              <a:t>https://</a:t>
+            </a:r>
+            <a:r>
+              <a:rPr lang="tr-TR" b="1" dirty="0">
+                <a:solidFill>
+                  <a:srgbClr val="5B636F"/>
+                </a:solidFill>
+                <a:latin typeface="Open Sans" pitchFamily="2" charset="0"/>
+                <a:ea typeface="Open Sans" pitchFamily="2" charset="0"/>
+                <a:cs typeface="Open Sans" pitchFamily="2" charset="0"/>
+                <a:hlinkClick r:id="rId6"/>
+              </a:rPr>
+              <a:t>gefyra</a:t>
+            </a:r>
+            <a:r>
+              <a:rPr lang="tr-TR" dirty="0">
+                <a:solidFill>
+                  <a:srgbClr val="5B636F"/>
+                </a:solidFill>
+                <a:latin typeface="Open Sans" pitchFamily="2" charset="0"/>
+                <a:ea typeface="Open Sans" pitchFamily="2" charset="0"/>
+                <a:cs typeface="Open Sans" pitchFamily="2" charset="0"/>
+                <a:hlinkClick r:id="rId6"/>
+              </a:rPr>
+              <a:t>.dev</a:t>
+            </a:r>
+            <a:r>
+              <a:rPr lang="tr-TR" dirty="0">
+                <a:solidFill>
+                  <a:srgbClr val="5B636F"/>
+                </a:solidFill>
+                <a:latin typeface="Open Sans" pitchFamily="2" charset="0"/>
+                <a:ea typeface="Open Sans" pitchFamily="2" charset="0"/>
+                <a:cs typeface="Open Sans" pitchFamily="2" charset="0"/>
+              </a:rPr>
+              <a:t> (open source &amp; free)</a:t>
+            </a:r>
+          </a:p>
+          <a:p>
+            <a:endParaRPr lang="tr-TR" dirty="0">
+              <a:solidFill>
+                <a:srgbClr val="5B636F"/>
+              </a:solidFill>
+              <a:latin typeface="Open Sans" pitchFamily="2" charset="0"/>
+              <a:ea typeface="Open Sans" pitchFamily="2" charset="0"/>
+              <a:cs typeface="Open Sans" pitchFamily="2" charset="0"/>
+            </a:endParaRPr>
+          </a:p>
+        </p:txBody>
+      </p:sp>
+      <p:pic>
+        <p:nvPicPr>
+          <p:cNvPr id="12" name="Picture 11">
+            <a:extLst>
+              <a:ext uri="{FF2B5EF4-FFF2-40B4-BE49-F238E27FC236}">
+                <a16:creationId xmlns:a16="http://schemas.microsoft.com/office/drawing/2014/main" id="{7E194781-D427-4532-8DBF-3CBCB11035BB}"/>
+              </a:ext>
+            </a:extLst>
+          </p:cNvPr>
+          <p:cNvPicPr>
+            <a:picLocks noChangeAspect="1"/>
+          </p:cNvPicPr>
+          <p:nvPr/>
+        </p:nvPicPr>
+        <p:blipFill>
+          <a:blip r:embed="rId7"/>
+          <a:stretch>
+            <a:fillRect/>
+          </a:stretch>
+        </p:blipFill>
+        <p:spPr>
+          <a:xfrm>
+            <a:off x="1328737" y="3563930"/>
+            <a:ext cx="9534525" cy="2562225"/>
+          </a:xfrm>
+          <a:prstGeom prst="rect">
+            <a:avLst/>
+          </a:prstGeom>
+        </p:spPr>
+      </p:pic>
+    </p:spTree>
+    <p:extLst>
+      <p:ext uri="{BB962C8B-B14F-4D97-AF65-F5344CB8AC3E}">
+        <p14:creationId xmlns:p14="http://schemas.microsoft.com/office/powerpoint/2010/main" val="687745280"/>
+      </p:ext>
+    </p:extLst>
+  </p:cSld>
+  <p:clrMapOvr>
+    <a:masterClrMapping/>
+  </p:clrMapOvr>
+  <p:timing>
+    <p:tnLst>
+      <p:par>
+        <p:cTn id="1" dur="indefinite" restart="never" nodeType="tmRoot">
+          <p:childTnLst>
+            <p:seq concurrent="1" nextAc="seek">
+              <p:cTn id="2" dur="indefinite" nodeType="mainSeq">
+                <p:childTnLst>
+                  <p:par>
+                    <p:cTn id="3" fill="hold">
+                      <p:stCondLst>
+                        <p:cond delay="indefinite"/>
+                      </p:stCondLst>
+                      <p:childTnLst>
+                        <p:par>
+                          <p:cTn id="4" fill="hold">
+                            <p:stCondLst>
+                              <p:cond delay="0"/>
+                            </p:stCondLst>
+                            <p:childTnLst>
+                              <p:par>
+                                <p:cTn id="5" presetID="10" presetClass="entr" presetSubtype="0" fill="hold" nodeType="clickEffect">
+                                  <p:stCondLst>
+                                    <p:cond delay="0"/>
+                                  </p:stCondLst>
+                                  <p:childTnLst>
+                                    <p:set>
+                                      <p:cBhvr>
+                                        <p:cTn id="6" dur="1" fill="hold">
+                                          <p:stCondLst>
+                                            <p:cond delay="0"/>
+                                          </p:stCondLst>
+                                        </p:cTn>
+                                        <p:tgtEl>
+                                          <p:spTgt spid="2">
+                                            <p:txEl>
+                                              <p:pRg st="0" end="0"/>
+                                            </p:txEl>
+                                          </p:spTgt>
+                                        </p:tgtEl>
+                                        <p:attrNameLst>
+                                          <p:attrName>style.visibility</p:attrName>
+                                        </p:attrNameLst>
+                                      </p:cBhvr>
+                                      <p:to>
+                                        <p:strVal val="visible"/>
+                                      </p:to>
+                                    </p:set>
+                                    <p:animEffect transition="in" filter="fade">
+                                      <p:cBhvr>
+                                        <p:cTn id="7" dur="500"/>
+                                        <p:tgtEl>
+                                          <p:spTgt spid="2">
+                                            <p:txEl>
+                                              <p:pRg st="0" end="0"/>
+                                            </p:txEl>
+                                          </p:spTgt>
+                                        </p:tgtEl>
+                                      </p:cBhvr>
+                                    </p:animEffect>
+                                  </p:childTnLst>
+                                </p:cTn>
+                              </p:par>
+                            </p:childTnLst>
+                          </p:cTn>
+                        </p:par>
+                      </p:childTnLst>
+                    </p:cTn>
+                  </p:par>
+                  <p:par>
+                    <p:cTn id="8" fill="hold">
+                      <p:stCondLst>
+                        <p:cond delay="indefinite"/>
+                      </p:stCondLst>
+                      <p:childTnLst>
+                        <p:par>
+                          <p:cTn id="9" fill="hold">
+                            <p:stCondLst>
+                              <p:cond delay="0"/>
+                            </p:stCondLst>
+                            <p:childTnLst>
+                              <p:par>
+                                <p:cTn id="10" presetID="10" presetClass="entr" presetSubtype="0" fill="hold" nodeType="clickEffect">
+                                  <p:stCondLst>
+                                    <p:cond delay="0"/>
+                                  </p:stCondLst>
+                                  <p:childTnLst>
+                                    <p:set>
+                                      <p:cBhvr>
+                                        <p:cTn id="11" dur="1" fill="hold">
+                                          <p:stCondLst>
+                                            <p:cond delay="0"/>
+                                          </p:stCondLst>
+                                        </p:cTn>
+                                        <p:tgtEl>
+                                          <p:spTgt spid="2">
+                                            <p:txEl>
+                                              <p:pRg st="1" end="1"/>
+                                            </p:txEl>
+                                          </p:spTgt>
+                                        </p:tgtEl>
+                                        <p:attrNameLst>
+                                          <p:attrName>style.visibility</p:attrName>
+                                        </p:attrNameLst>
+                                      </p:cBhvr>
+                                      <p:to>
+                                        <p:strVal val="visible"/>
+                                      </p:to>
+                                    </p:set>
+                                    <p:animEffect transition="in" filter="fade">
+                                      <p:cBhvr>
+                                        <p:cTn id="12" dur="500"/>
+                                        <p:tgtEl>
+                                          <p:spTgt spid="2">
+                                            <p:txEl>
+                                              <p:pRg st="1" end="1"/>
+                                            </p:txEl>
+                                          </p:spTgt>
+                                        </p:tgtEl>
+                                      </p:cBhvr>
+                                    </p:animEffect>
+                                  </p:childTnLst>
+                                </p:cTn>
+                              </p:par>
+                            </p:childTnLst>
+                          </p:cTn>
+                        </p:par>
+                      </p:childTnLst>
+                    </p:cTn>
+                  </p:par>
+                  <p:par>
+                    <p:cTn id="13" fill="hold">
+                      <p:stCondLst>
+                        <p:cond delay="indefinite"/>
+                      </p:stCondLst>
+                      <p:childTnLst>
+                        <p:par>
+                          <p:cTn id="14" fill="hold">
+                            <p:stCondLst>
+                              <p:cond delay="0"/>
+                            </p:stCondLst>
+                            <p:childTnLst>
+                              <p:par>
+                                <p:cTn id="15" presetID="10" presetClass="entr" presetSubtype="0" fill="hold" nodeType="clickEffect">
+                                  <p:stCondLst>
+                                    <p:cond delay="0"/>
+                                  </p:stCondLst>
+                                  <p:childTnLst>
+                                    <p:set>
+                                      <p:cBhvr>
+                                        <p:cTn id="16" dur="1" fill="hold">
+                                          <p:stCondLst>
+                                            <p:cond delay="0"/>
+                                          </p:stCondLst>
+                                        </p:cTn>
+                                        <p:tgtEl>
+                                          <p:spTgt spid="2">
+                                            <p:txEl>
+                                              <p:pRg st="2" end="2"/>
+                                            </p:txEl>
+                                          </p:spTgt>
+                                        </p:tgtEl>
+                                        <p:attrNameLst>
+                                          <p:attrName>style.visibility</p:attrName>
+                                        </p:attrNameLst>
+                                      </p:cBhvr>
+                                      <p:to>
+                                        <p:strVal val="visible"/>
+                                      </p:to>
+                                    </p:set>
+                                    <p:animEffect transition="in" filter="fade">
+                                      <p:cBhvr>
+                                        <p:cTn id="17" dur="500"/>
+                                        <p:tgtEl>
+                                          <p:spTgt spid="2">
+                                            <p:txEl>
+                                              <p:pRg st="2" end="2"/>
+                                            </p:txEl>
+                                          </p:spTgt>
+                                        </p:tgtEl>
+                                      </p:cBhvr>
+                                    </p:animEffect>
+                                  </p:childTnLst>
+                                </p:cTn>
+                              </p:par>
+                            </p:childTnLst>
+                          </p:cTn>
+                        </p:par>
+                      </p:childTnLst>
+                    </p:cTn>
+                  </p:par>
+                  <p:par>
+                    <p:cTn id="18" fill="hold">
+                      <p:stCondLst>
+                        <p:cond delay="indefinite"/>
+                      </p:stCondLst>
+                      <p:childTnLst>
+                        <p:par>
+                          <p:cTn id="19" fill="hold">
+                            <p:stCondLst>
+                              <p:cond delay="0"/>
+                            </p:stCondLst>
+                            <p:childTnLst>
+                              <p:par>
+                                <p:cTn id="20" presetID="10" presetClass="entr" presetSubtype="0" fill="hold" nodeType="clickEffect">
+                                  <p:stCondLst>
+                                    <p:cond delay="0"/>
+                                  </p:stCondLst>
+                                  <p:childTnLst>
+                                    <p:set>
+                                      <p:cBhvr>
+                                        <p:cTn id="21" dur="1" fill="hold">
+                                          <p:stCondLst>
+                                            <p:cond delay="0"/>
+                                          </p:stCondLst>
+                                        </p:cTn>
+                                        <p:tgtEl>
+                                          <p:spTgt spid="2">
+                                            <p:txEl>
+                                              <p:pRg st="3" end="3"/>
+                                            </p:txEl>
+                                          </p:spTgt>
+                                        </p:tgtEl>
+                                        <p:attrNameLst>
+                                          <p:attrName>style.visibility</p:attrName>
+                                        </p:attrNameLst>
+                                      </p:cBhvr>
+                                      <p:to>
+                                        <p:strVal val="visible"/>
+                                      </p:to>
+                                    </p:set>
+                                    <p:animEffect transition="in" filter="fade">
+                                      <p:cBhvr>
+                                        <p:cTn id="22" dur="500"/>
+                                        <p:tgtEl>
+                                          <p:spTgt spid="2">
+                                            <p:txEl>
+                                              <p:pRg st="3" end="3"/>
+                                            </p:txEl>
+                                          </p:spTgt>
+                                        </p:tgtEl>
+                                      </p:cBhvr>
+                                    </p:animEffect>
+                                  </p:childTnLst>
+                                </p:cTn>
+                              </p:par>
+                            </p:childTnLst>
+                          </p:cTn>
+                        </p:par>
+                      </p:childTnLst>
+                    </p:cTn>
+                  </p:par>
+                </p:childTnLst>
+              </p:cTn>
+              <p:prevCondLst>
+                <p:cond evt="onPrev" delay="0">
+                  <p:tgtEl>
+                    <p:sldTgt/>
+                  </p:tgtEl>
+                </p:cond>
+              </p:prevCondLst>
+              <p:nextCondLst>
+                <p:cond evt="onNext" delay="0">
+                  <p:tgtEl>
+                    <p:sldTgt/>
+                  </p:tgtEl>
+                </p:cond>
+              </p:nextCondLst>
+            </p:seq>
+          </p:childTnLst>
+        </p:cTn>
+      </p:par>
+    </p:tnLst>
+  </p:timing>
+</p:sld>
+</file>
+
+<file path=ppt/slides/slide13.xml><?xml version="1.0" encoding="utf-8"?>
+<p:sld xmlns:a="http://schemas.openxmlformats.org/drawingml/2006/main" xmlns:r="http://schemas.openxmlformats.org/officeDocument/2006/relationships" xmlns:p="http://schemas.openxmlformats.org/presentationml/2006/main">
+  <p:cSld>
+    <p:bg>
+      <p:bgPr>
+        <a:blipFill dpi="0" rotWithShape="1">
+          <a:blip r:embed="rId2">
+            <a:lum/>
+          </a:blip>
+          <a:srcRect/>
+          <a:stretch>
+            <a:fillRect/>
+          </a:stretch>
+        </a:blipFill>
+        <a:effectLst/>
+      </p:bgPr>
+    </p:bg>
+    <p:spTree>
+      <p:nvGrpSpPr>
+        <p:cNvPr id="1" name=""/>
+        <p:cNvGrpSpPr/>
+        <p:nvPr/>
+      </p:nvGrpSpPr>
+      <p:grpSpPr>
+        <a:xfrm>
+          <a:off x="0" y="0"/>
+          <a:ext cx="0" cy="0"/>
+          <a:chOff x="0" y="0"/>
+          <a:chExt cx="0" cy="0"/>
+        </a:xfrm>
+      </p:grpSpPr>
+      <p:sp>
+        <p:nvSpPr>
+          <p:cNvPr id="8" name="Metin kutusu 7">
+            <a:extLst>
+              <a:ext uri="{FF2B5EF4-FFF2-40B4-BE49-F238E27FC236}">
+                <a16:creationId xmlns:a16="http://schemas.microsoft.com/office/drawing/2014/main" id="{29D82957-8FD0-49FF-B99F-7F7BB3AB2C9F}"/>
+              </a:ext>
+            </a:extLst>
+          </p:cNvPr>
+          <p:cNvSpPr txBox="1"/>
+          <p:nvPr/>
+        </p:nvSpPr>
+        <p:spPr>
+          <a:xfrm>
+            <a:off x="323850" y="361950"/>
             <a:ext cx="5516254" cy="584775"/>
           </a:xfrm>
           <a:prstGeom prst="rect">
@@ -11190,7 +11896,7 @@
 </p:sld>
 </file>
 
-<file path=ppt/slides/slide13.xml><?xml version="1.0" encoding="utf-8"?>
+<file path=ppt/slides/slide14.xml><?xml version="1.0" encoding="utf-8"?>
 <p:sld xmlns:a="http://schemas.openxmlformats.org/drawingml/2006/main" xmlns:r="http://schemas.openxmlformats.org/officeDocument/2006/relationships" xmlns:p="http://schemas.openxmlformats.org/presentationml/2006/main">
   <p:cSld>
     <p:bg>
@@ -11406,7 +12112,7 @@
 </p:sld>
 </file>
 
-<file path=ppt/slides/slide14.xml><?xml version="1.0" encoding="utf-8"?>
+<file path=ppt/slides/slide15.xml><?xml version="1.0" encoding="utf-8"?>
 <p:sld xmlns:a="http://schemas.openxmlformats.org/drawingml/2006/main" xmlns:r="http://schemas.openxmlformats.org/officeDocument/2006/relationships" xmlns:p="http://schemas.openxmlformats.org/presentationml/2006/main">
   <p:cSld>
     <p:bg>
@@ -12041,7 +12747,7 @@
 </p:sld>
 </file>
 
-<file path=ppt/slides/slide15.xml><?xml version="1.0" encoding="utf-8"?>
+<file path=ppt/slides/slide16.xml><?xml version="1.0" encoding="utf-8"?>
 <p:sld xmlns:a="http://schemas.openxmlformats.org/drawingml/2006/main" xmlns:r="http://schemas.openxmlformats.org/officeDocument/2006/relationships" xmlns:p="http://schemas.openxmlformats.org/presentationml/2006/main">
   <p:cSld>
     <p:bg>
@@ -12348,7 +13054,7 @@
     </p:spTree>
     <p:extLst>
       <p:ext uri="{BB962C8B-B14F-4D97-AF65-F5344CB8AC3E}">
-        <p14:creationId xmlns:p14="http://schemas.microsoft.com/office/powerpoint/2010/main" val="687745280"/>
+        <p14:creationId xmlns:p14="http://schemas.microsoft.com/office/powerpoint/2010/main" val="2505468823"/>
       </p:ext>
     </p:extLst>
   </p:cSld>

--- a/2023-10-07 Devnot Kubernetes Integrated Development/KubernetesIntegratedDevelopment2023.pptx
+++ b/2023-10-07 Devnot Kubernetes Integrated Development/KubernetesIntegratedDevelopment2023.pptx
@@ -282,7 +282,7 @@
           <a:p>
             <a:fld id="{62164A38-496E-4635-AD4D-E4F60A7AA5BC}" type="datetimeFigureOut">
               <a:rPr lang="tr-TR" smtClean="0"/>
-              <a:t>1.10.2023</a:t>
+              <a:t>4.10.2023</a:t>
             </a:fld>
             <a:endParaRPr lang="tr-TR"/>
           </a:p>
@@ -480,7 +480,7 @@
           <a:p>
             <a:fld id="{62164A38-496E-4635-AD4D-E4F60A7AA5BC}" type="datetimeFigureOut">
               <a:rPr lang="tr-TR" smtClean="0"/>
-              <a:t>1.10.2023</a:t>
+              <a:t>4.10.2023</a:t>
             </a:fld>
             <a:endParaRPr lang="tr-TR"/>
           </a:p>
@@ -688,7 +688,7 @@
           <a:p>
             <a:fld id="{62164A38-496E-4635-AD4D-E4F60A7AA5BC}" type="datetimeFigureOut">
               <a:rPr lang="tr-TR" smtClean="0"/>
-              <a:t>1.10.2023</a:t>
+              <a:t>4.10.2023</a:t>
             </a:fld>
             <a:endParaRPr lang="tr-TR"/>
           </a:p>
@@ -886,7 +886,7 @@
           <a:p>
             <a:fld id="{62164A38-496E-4635-AD4D-E4F60A7AA5BC}" type="datetimeFigureOut">
               <a:rPr lang="tr-TR" smtClean="0"/>
-              <a:t>1.10.2023</a:t>
+              <a:t>4.10.2023</a:t>
             </a:fld>
             <a:endParaRPr lang="tr-TR"/>
           </a:p>
@@ -1161,7 +1161,7 @@
           <a:p>
             <a:fld id="{62164A38-496E-4635-AD4D-E4F60A7AA5BC}" type="datetimeFigureOut">
               <a:rPr lang="tr-TR" smtClean="0"/>
-              <a:t>1.10.2023</a:t>
+              <a:t>4.10.2023</a:t>
             </a:fld>
             <a:endParaRPr lang="tr-TR"/>
           </a:p>
@@ -1426,7 +1426,7 @@
           <a:p>
             <a:fld id="{62164A38-496E-4635-AD4D-E4F60A7AA5BC}" type="datetimeFigureOut">
               <a:rPr lang="tr-TR" smtClean="0"/>
-              <a:t>1.10.2023</a:t>
+              <a:t>4.10.2023</a:t>
             </a:fld>
             <a:endParaRPr lang="tr-TR"/>
           </a:p>
@@ -1838,7 +1838,7 @@
           <a:p>
             <a:fld id="{62164A38-496E-4635-AD4D-E4F60A7AA5BC}" type="datetimeFigureOut">
               <a:rPr lang="tr-TR" smtClean="0"/>
-              <a:t>1.10.2023</a:t>
+              <a:t>4.10.2023</a:t>
             </a:fld>
             <a:endParaRPr lang="tr-TR"/>
           </a:p>
@@ -1979,7 +1979,7 @@
           <a:p>
             <a:fld id="{62164A38-496E-4635-AD4D-E4F60A7AA5BC}" type="datetimeFigureOut">
               <a:rPr lang="tr-TR" smtClean="0"/>
-              <a:t>1.10.2023</a:t>
+              <a:t>4.10.2023</a:t>
             </a:fld>
             <a:endParaRPr lang="tr-TR"/>
           </a:p>
@@ -2092,7 +2092,7 @@
           <a:p>
             <a:fld id="{62164A38-496E-4635-AD4D-E4F60A7AA5BC}" type="datetimeFigureOut">
               <a:rPr lang="tr-TR" smtClean="0"/>
-              <a:t>1.10.2023</a:t>
+              <a:t>4.10.2023</a:t>
             </a:fld>
             <a:endParaRPr lang="tr-TR"/>
           </a:p>
@@ -2403,7 +2403,7 @@
           <a:p>
             <a:fld id="{62164A38-496E-4635-AD4D-E4F60A7AA5BC}" type="datetimeFigureOut">
               <a:rPr lang="tr-TR" smtClean="0"/>
-              <a:t>1.10.2023</a:t>
+              <a:t>4.10.2023</a:t>
             </a:fld>
             <a:endParaRPr lang="tr-TR"/>
           </a:p>
@@ -2691,7 +2691,7 @@
           <a:p>
             <a:fld id="{62164A38-496E-4635-AD4D-E4F60A7AA5BC}" type="datetimeFigureOut">
               <a:rPr lang="tr-TR" smtClean="0"/>
-              <a:t>1.10.2023</a:t>
+              <a:t>4.10.2023</a:t>
             </a:fld>
             <a:endParaRPr lang="tr-TR"/>
           </a:p>
@@ -2932,7 +2932,7 @@
           <a:p>
             <a:fld id="{62164A38-496E-4635-AD4D-E4F60A7AA5BC}" type="datetimeFigureOut">
               <a:rPr lang="tr-TR" smtClean="0"/>
-              <a:t>1.10.2023</a:t>
+              <a:t>4.10.2023</a:t>
             </a:fld>
             <a:endParaRPr lang="tr-TR"/>
           </a:p>
@@ -6692,6 +6692,41 @@
                                   </p:childTnLst>
                                 </p:cTn>
                               </p:par>
+                              <p:par>
+                                <p:cTn id="23" presetID="10" presetClass="entr" presetSubtype="0" fill="hold" nodeType="withEffect">
+                                  <p:stCondLst>
+                                    <p:cond delay="0"/>
+                                  </p:stCondLst>
+                                  <p:childTnLst>
+                                    <p:set>
+                                      <p:cBhvr>
+                                        <p:cTn id="24" dur="1" fill="hold">
+                                          <p:stCondLst>
+                                            <p:cond delay="0"/>
+                                          </p:stCondLst>
+                                        </p:cTn>
+                                        <p:tgtEl>
+                                          <p:spTgt spid="12"/>
+                                        </p:tgtEl>
+                                        <p:attrNameLst>
+                                          <p:attrName>style.visibility</p:attrName>
+                                        </p:attrNameLst>
+                                      </p:cBhvr>
+                                      <p:to>
+                                        <p:strVal val="visible"/>
+                                      </p:to>
+                                    </p:set>
+                                    <p:animEffect transition="in" filter="fade">
+                                      <p:cBhvr>
+                                        <p:cTn id="25" dur="500"/>
+                                        <p:tgtEl>
+                                          <p:spTgt spid="12"/>
+                                        </p:tgtEl>
+                                      </p:cBhvr>
+                                    </p:animEffect>
+                                  </p:childTnLst>
+                                </p:cTn>
+                              </p:par>
                             </p:childTnLst>
                           </p:cTn>
                         </p:par>
@@ -12158,7 +12193,7 @@
         <p:spPr>
           <a:xfrm>
             <a:off x="323850" y="361950"/>
-            <a:ext cx="2452916" cy="584775"/>
+            <a:ext cx="4602542" cy="584775"/>
           </a:xfrm>
           <a:prstGeom prst="rect">
             <a:avLst/>
@@ -12172,7 +12207,7 @@
           <a:lstStyle/>
           <a:p>
             <a:r>
-              <a:rPr lang="tr-TR" sz="3200" b="1" dirty="0">
+              <a:rPr lang="tr-TR" sz="3200" b="1">
                 <a:solidFill>
                   <a:srgbClr val="1C2313"/>
                 </a:solidFill>
@@ -12180,8 +12215,16 @@
                 <a:ea typeface="Open Sans" pitchFamily="2" charset="0"/>
                 <a:cs typeface="Open Sans" pitchFamily="2" charset="0"/>
               </a:rPr>
-              <a:t>Questions?</a:t>
-            </a:r>
+              <a:t>Thanks for listening..!</a:t>
+            </a:r>
+            <a:endParaRPr lang="tr-TR" sz="3200" b="1" dirty="0">
+              <a:solidFill>
+                <a:srgbClr val="1C2313"/>
+              </a:solidFill>
+              <a:latin typeface="Open Sans" pitchFamily="2" charset="0"/>
+              <a:ea typeface="Open Sans" pitchFamily="2" charset="0"/>
+              <a:cs typeface="Open Sans" pitchFamily="2" charset="0"/>
+            </a:endParaRPr>
           </a:p>
         </p:txBody>
       </p:sp>

--- a/2023-10-07 Devnot Kubernetes Integrated Development/KubernetesIntegratedDevelopment2023.pptx
+++ b/2023-10-07 Devnot Kubernetes Integrated Development/KubernetesIntegratedDevelopment2023.pptx
@@ -282,7 +282,7 @@
           <a:p>
             <a:fld id="{62164A38-496E-4635-AD4D-E4F60A7AA5BC}" type="datetimeFigureOut">
               <a:rPr lang="tr-TR" smtClean="0"/>
-              <a:t>4.10.2023</a:t>
+              <a:t>7.10.2023</a:t>
             </a:fld>
             <a:endParaRPr lang="tr-TR"/>
           </a:p>
@@ -480,7 +480,7 @@
           <a:p>
             <a:fld id="{62164A38-496E-4635-AD4D-E4F60A7AA5BC}" type="datetimeFigureOut">
               <a:rPr lang="tr-TR" smtClean="0"/>
-              <a:t>4.10.2023</a:t>
+              <a:t>7.10.2023</a:t>
             </a:fld>
             <a:endParaRPr lang="tr-TR"/>
           </a:p>
@@ -688,7 +688,7 @@
           <a:p>
             <a:fld id="{62164A38-496E-4635-AD4D-E4F60A7AA5BC}" type="datetimeFigureOut">
               <a:rPr lang="tr-TR" smtClean="0"/>
-              <a:t>4.10.2023</a:t>
+              <a:t>7.10.2023</a:t>
             </a:fld>
             <a:endParaRPr lang="tr-TR"/>
           </a:p>
@@ -886,7 +886,7 @@
           <a:p>
             <a:fld id="{62164A38-496E-4635-AD4D-E4F60A7AA5BC}" type="datetimeFigureOut">
               <a:rPr lang="tr-TR" smtClean="0"/>
-              <a:t>4.10.2023</a:t>
+              <a:t>7.10.2023</a:t>
             </a:fld>
             <a:endParaRPr lang="tr-TR"/>
           </a:p>
@@ -1161,7 +1161,7 @@
           <a:p>
             <a:fld id="{62164A38-496E-4635-AD4D-E4F60A7AA5BC}" type="datetimeFigureOut">
               <a:rPr lang="tr-TR" smtClean="0"/>
-              <a:t>4.10.2023</a:t>
+              <a:t>7.10.2023</a:t>
             </a:fld>
             <a:endParaRPr lang="tr-TR"/>
           </a:p>
@@ -1426,7 +1426,7 @@
           <a:p>
             <a:fld id="{62164A38-496E-4635-AD4D-E4F60A7AA5BC}" type="datetimeFigureOut">
               <a:rPr lang="tr-TR" smtClean="0"/>
-              <a:t>4.10.2023</a:t>
+              <a:t>7.10.2023</a:t>
             </a:fld>
             <a:endParaRPr lang="tr-TR"/>
           </a:p>
@@ -1838,7 +1838,7 @@
           <a:p>
             <a:fld id="{62164A38-496E-4635-AD4D-E4F60A7AA5BC}" type="datetimeFigureOut">
               <a:rPr lang="tr-TR" smtClean="0"/>
-              <a:t>4.10.2023</a:t>
+              <a:t>7.10.2023</a:t>
             </a:fld>
             <a:endParaRPr lang="tr-TR"/>
           </a:p>
@@ -1979,7 +1979,7 @@
           <a:p>
             <a:fld id="{62164A38-496E-4635-AD4D-E4F60A7AA5BC}" type="datetimeFigureOut">
               <a:rPr lang="tr-TR" smtClean="0"/>
-              <a:t>4.10.2023</a:t>
+              <a:t>7.10.2023</a:t>
             </a:fld>
             <a:endParaRPr lang="tr-TR"/>
           </a:p>
@@ -2092,7 +2092,7 @@
           <a:p>
             <a:fld id="{62164A38-496E-4635-AD4D-E4F60A7AA5BC}" type="datetimeFigureOut">
               <a:rPr lang="tr-TR" smtClean="0"/>
-              <a:t>4.10.2023</a:t>
+              <a:t>7.10.2023</a:t>
             </a:fld>
             <a:endParaRPr lang="tr-TR"/>
           </a:p>
@@ -2403,7 +2403,7 @@
           <a:p>
             <a:fld id="{62164A38-496E-4635-AD4D-E4F60A7AA5BC}" type="datetimeFigureOut">
               <a:rPr lang="tr-TR" smtClean="0"/>
-              <a:t>4.10.2023</a:t>
+              <a:t>7.10.2023</a:t>
             </a:fld>
             <a:endParaRPr lang="tr-TR"/>
           </a:p>
@@ -2691,7 +2691,7 @@
           <a:p>
             <a:fld id="{62164A38-496E-4635-AD4D-E4F60A7AA5BC}" type="datetimeFigureOut">
               <a:rPr lang="tr-TR" smtClean="0"/>
-              <a:t>4.10.2023</a:t>
+              <a:t>7.10.2023</a:t>
             </a:fld>
             <a:endParaRPr lang="tr-TR"/>
           </a:p>
@@ -2932,7 +2932,7 @@
           <a:p>
             <a:fld id="{62164A38-496E-4635-AD4D-E4F60A7AA5BC}" type="datetimeFigureOut">
               <a:rPr lang="tr-TR" smtClean="0"/>
-              <a:t>4.10.2023</a:t>
+              <a:t>7.10.2023</a:t>
             </a:fld>
             <a:endParaRPr lang="tr-TR"/>
           </a:p>
@@ -15315,6 +15315,41 @@
               <a:cs typeface="Open Sans" pitchFamily="2" charset="0"/>
             </a:endParaRPr>
           </a:p>
+          <a:p>
+            <a:r>
+              <a:rPr lang="en-US" sz="4000" dirty="0">
+                <a:solidFill>
+                  <a:srgbClr val="5B636F"/>
+                </a:solidFill>
+                <a:latin typeface="Open Sans" pitchFamily="2" charset="0"/>
+                <a:ea typeface="Open Sans" pitchFamily="2" charset="0"/>
+                <a:cs typeface="Open Sans" pitchFamily="2" charset="0"/>
+              </a:rPr>
+              <a:t>Who knows the </a:t>
+            </a:r>
+            <a:r>
+              <a:rPr lang="en-US" sz="4000" b="1" dirty="0">
+                <a:solidFill>
+                  <a:srgbClr val="5B636F"/>
+                </a:solidFill>
+                <a:latin typeface="Open Sans" pitchFamily="2" charset="0"/>
+                <a:ea typeface="Open Sans" pitchFamily="2" charset="0"/>
+                <a:cs typeface="Open Sans" pitchFamily="2" charset="0"/>
+              </a:rPr>
+              <a:t>ABP Framework</a:t>
+            </a:r>
+            <a:r>
+              <a:rPr lang="en-US" sz="4000" dirty="0">
+                <a:solidFill>
+                  <a:srgbClr val="5B636F"/>
+                </a:solidFill>
+                <a:latin typeface="Open Sans" pitchFamily="2" charset="0"/>
+                <a:ea typeface="Open Sans" pitchFamily="2" charset="0"/>
+                <a:cs typeface="Open Sans" pitchFamily="2" charset="0"/>
+              </a:rPr>
+              <a:t>..?</a:t>
+            </a:r>
+          </a:p>
         </p:txBody>
       </p:sp>
     </p:spTree>
@@ -15565,6 +15600,67 @@
                                           <p:spTgt spid="2">
                                             <p:txEl>
                                               <p:pRg st="3" end="3"/>
+                                            </p:txEl>
+                                          </p:spTgt>
+                                        </p:tgtEl>
+                                      </p:cBhvr>
+                                    </p:animEffect>
+                                  </p:childTnLst>
+                                </p:cTn>
+                              </p:par>
+                            </p:childTnLst>
+                          </p:cTn>
+                        </p:par>
+                      </p:childTnLst>
+                    </p:cTn>
+                  </p:par>
+                  <p:par>
+                    <p:cTn id="23" fill="hold">
+                      <p:stCondLst>
+                        <p:cond delay="indefinite"/>
+                      </p:stCondLst>
+                      <p:childTnLst>
+                        <p:par>
+                          <p:cTn id="24" fill="hold">
+                            <p:stCondLst>
+                              <p:cond delay="0"/>
+                            </p:stCondLst>
+                            <p:childTnLst>
+                              <p:par>
+                                <p:cTn id="25" presetID="10" presetClass="entr" presetSubtype="0" fill="hold" nodeType="clickEffect">
+                                  <p:stCondLst>
+                                    <p:cond delay="0"/>
+                                  </p:stCondLst>
+                                  <p:childTnLst>
+                                    <p:set>
+                                      <p:cBhvr>
+                                        <p:cTn id="26" dur="1" fill="hold">
+                                          <p:stCondLst>
+                                            <p:cond delay="0"/>
+                                          </p:stCondLst>
+                                        </p:cTn>
+                                        <p:tgtEl>
+                                          <p:spTgt spid="2">
+                                            <p:txEl>
+                                              <p:pRg st="4" end="4"/>
+                                            </p:txEl>
+                                          </p:spTgt>
+                                        </p:tgtEl>
+                                        <p:attrNameLst>
+                                          <p:attrName>style.visibility</p:attrName>
+                                        </p:attrNameLst>
+                                      </p:cBhvr>
+                                      <p:to>
+                                        <p:strVal val="visible"/>
+                                      </p:to>
+                                    </p:set>
+                                    <p:animEffect transition="in" filter="fade">
+                                      <p:cBhvr>
+                                        <p:cTn id="27" dur="500"/>
+                                        <p:tgtEl>
+                                          <p:spTgt spid="2">
+                                            <p:txEl>
+                                              <p:pRg st="4" end="4"/>
                                             </p:txEl>
                                           </p:spTgt>
                                         </p:tgtEl>
